--- a/R_For_Chemists/figures/runMatrixAnalysis.pptx
+++ b/R_For_Chemists/figures/runMatrixAnalysis.pptx
@@ -2,18 +2,18 @@
 <file path=ppt/presentation.xml><?xml version="1.0" encoding="utf-8"?>
 <p:presentation xmlns:a="http://schemas.openxmlformats.org/drawingml/2006/main" xmlns:r="http://schemas.openxmlformats.org/officeDocument/2006/relationships" xmlns:p="http://schemas.openxmlformats.org/presentationml/2006/main" saveSubsetFonts="1" autoCompressPictures="0">
   <p:sldMasterIdLst>
-    <p:sldMasterId id="2147483648" r:id="rId1"/>
+    <p:sldMasterId id="2147483660" r:id="rId1"/>
   </p:sldMasterIdLst>
   <p:sldIdLst>
     <p:sldId id="256" r:id="rId2"/>
   </p:sldIdLst>
-  <p:sldSz cx="12192000" cy="6858000"/>
+  <p:sldSz cx="13716000" cy="6858000"/>
   <p:notesSz cx="6858000" cy="9144000"/>
   <p:defaultTextStyle>
     <a:defPPr>
       <a:defRPr lang="en-US"/>
     </a:defPPr>
-    <a:lvl1pPr marL="0" algn="l" defTabSz="914400" rtl="0" eaLnBrk="1" latinLnBrk="0" hangingPunct="1">
+    <a:lvl1pPr marL="0" algn="l" defTabSz="457200" rtl="0" eaLnBrk="1" latinLnBrk="0" hangingPunct="1">
       <a:defRPr sz="1800" kern="1200">
         <a:solidFill>
           <a:schemeClr val="tx1"/>
@@ -23,7 +23,7 @@
         <a:cs typeface="+mn-cs"/>
       </a:defRPr>
     </a:lvl1pPr>
-    <a:lvl2pPr marL="457200" algn="l" defTabSz="914400" rtl="0" eaLnBrk="1" latinLnBrk="0" hangingPunct="1">
+    <a:lvl2pPr marL="457200" algn="l" defTabSz="457200" rtl="0" eaLnBrk="1" latinLnBrk="0" hangingPunct="1">
       <a:defRPr sz="1800" kern="1200">
         <a:solidFill>
           <a:schemeClr val="tx1"/>
@@ -33,7 +33,7 @@
         <a:cs typeface="+mn-cs"/>
       </a:defRPr>
     </a:lvl2pPr>
-    <a:lvl3pPr marL="914400" algn="l" defTabSz="914400" rtl="0" eaLnBrk="1" latinLnBrk="0" hangingPunct="1">
+    <a:lvl3pPr marL="914400" algn="l" defTabSz="457200" rtl="0" eaLnBrk="1" latinLnBrk="0" hangingPunct="1">
       <a:defRPr sz="1800" kern="1200">
         <a:solidFill>
           <a:schemeClr val="tx1"/>
@@ -43,7 +43,7 @@
         <a:cs typeface="+mn-cs"/>
       </a:defRPr>
     </a:lvl3pPr>
-    <a:lvl4pPr marL="1371600" algn="l" defTabSz="914400" rtl="0" eaLnBrk="1" latinLnBrk="0" hangingPunct="1">
+    <a:lvl4pPr marL="1371600" algn="l" defTabSz="457200" rtl="0" eaLnBrk="1" latinLnBrk="0" hangingPunct="1">
       <a:defRPr sz="1800" kern="1200">
         <a:solidFill>
           <a:schemeClr val="tx1"/>
@@ -53,7 +53,7 @@
         <a:cs typeface="+mn-cs"/>
       </a:defRPr>
     </a:lvl4pPr>
-    <a:lvl5pPr marL="1828800" algn="l" defTabSz="914400" rtl="0" eaLnBrk="1" latinLnBrk="0" hangingPunct="1">
+    <a:lvl5pPr marL="1828800" algn="l" defTabSz="457200" rtl="0" eaLnBrk="1" latinLnBrk="0" hangingPunct="1">
       <a:defRPr sz="1800" kern="1200">
         <a:solidFill>
           <a:schemeClr val="tx1"/>
@@ -63,7 +63,7 @@
         <a:cs typeface="+mn-cs"/>
       </a:defRPr>
     </a:lvl5pPr>
-    <a:lvl6pPr marL="2286000" algn="l" defTabSz="914400" rtl="0" eaLnBrk="1" latinLnBrk="0" hangingPunct="1">
+    <a:lvl6pPr marL="2286000" algn="l" defTabSz="457200" rtl="0" eaLnBrk="1" latinLnBrk="0" hangingPunct="1">
       <a:defRPr sz="1800" kern="1200">
         <a:solidFill>
           <a:schemeClr val="tx1"/>
@@ -73,7 +73,7 @@
         <a:cs typeface="+mn-cs"/>
       </a:defRPr>
     </a:lvl6pPr>
-    <a:lvl7pPr marL="2743200" algn="l" defTabSz="914400" rtl="0" eaLnBrk="1" latinLnBrk="0" hangingPunct="1">
+    <a:lvl7pPr marL="2743200" algn="l" defTabSz="457200" rtl="0" eaLnBrk="1" latinLnBrk="0" hangingPunct="1">
       <a:defRPr sz="1800" kern="1200">
         <a:solidFill>
           <a:schemeClr val="tx1"/>
@@ -83,7 +83,7 @@
         <a:cs typeface="+mn-cs"/>
       </a:defRPr>
     </a:lvl7pPr>
-    <a:lvl8pPr marL="3200400" algn="l" defTabSz="914400" rtl="0" eaLnBrk="1" latinLnBrk="0" hangingPunct="1">
+    <a:lvl8pPr marL="3200400" algn="l" defTabSz="457200" rtl="0" eaLnBrk="1" latinLnBrk="0" hangingPunct="1">
       <a:defRPr sz="1800" kern="1200">
         <a:solidFill>
           <a:schemeClr val="tx1"/>
@@ -93,7 +93,7 @@
         <a:cs typeface="+mn-cs"/>
       </a:defRPr>
     </a:lvl8pPr>
-    <a:lvl9pPr marL="3657600" algn="l" defTabSz="914400" rtl="0" eaLnBrk="1" latinLnBrk="0" hangingPunct="1">
+    <a:lvl9pPr marL="3657600" algn="l" defTabSz="457200" rtl="0" eaLnBrk="1" latinLnBrk="0" hangingPunct="1">
       <a:defRPr sz="1800" kern="1200">
         <a:solidFill>
           <a:schemeClr val="tx1"/>
@@ -126,13 +126,7 @@
       </p:grpSpPr>
       <p:sp>
         <p:nvSpPr>
-          <p:cNvPr id="2" name="Title 1">
-            <a:extLst>
-              <a:ext uri="{FF2B5EF4-FFF2-40B4-BE49-F238E27FC236}">
-                <a16:creationId xmlns:a16="http://schemas.microsoft.com/office/drawing/2014/main" id="{959F415A-99FC-A840-906E-8A4DE13EEB4A}"/>
-              </a:ext>
-            </a:extLst>
-          </p:cNvPr>
+          <p:cNvPr id="2" name="Title 1"/>
           <p:cNvSpPr>
             <a:spLocks noGrp="1"/>
           </p:cNvSpPr>
@@ -142,8 +136,8 @@
         </p:nvSpPr>
         <p:spPr>
           <a:xfrm>
-            <a:off x="1524000" y="1122363"/>
-            <a:ext cx="9144000" cy="2387600"/>
+            <a:off x="1714500" y="1122363"/>
+            <a:ext cx="10287000" cy="2387600"/>
           </a:xfrm>
         </p:spPr>
         <p:txBody>
@@ -158,18 +152,13 @@
               <a:rPr lang="en-US"/>
               <a:t>Click to edit Master title style</a:t>
             </a:r>
-          </a:p>
-        </p:txBody>
-      </p:sp>
-      <p:sp>
-        <p:nvSpPr>
-          <p:cNvPr id="3" name="Subtitle 2">
-            <a:extLst>
-              <a:ext uri="{FF2B5EF4-FFF2-40B4-BE49-F238E27FC236}">
-                <a16:creationId xmlns:a16="http://schemas.microsoft.com/office/drawing/2014/main" id="{37D094AF-4749-5D4E-AE7C-5785CA77CC90}"/>
-              </a:ext>
-            </a:extLst>
-          </p:cNvPr>
+            <a:endParaRPr lang="en-US" dirty="0"/>
+          </a:p>
+        </p:txBody>
+      </p:sp>
+      <p:sp>
+        <p:nvSpPr>
+          <p:cNvPr id="3" name="Subtitle 2"/>
           <p:cNvSpPr>
             <a:spLocks noGrp="1"/>
           </p:cNvSpPr>
@@ -179,8 +168,8 @@
         </p:nvSpPr>
         <p:spPr>
           <a:xfrm>
-            <a:off x="1524000" y="3602038"/>
-            <a:ext cx="9144000" cy="1655762"/>
+            <a:off x="1714500" y="3602038"/>
+            <a:ext cx="10287000" cy="1655762"/>
           </a:xfrm>
         </p:spPr>
         <p:txBody>
@@ -228,18 +217,13 @@
               <a:rPr lang="en-US"/>
               <a:t>Click to edit Master subtitle style</a:t>
             </a:r>
-          </a:p>
-        </p:txBody>
-      </p:sp>
-      <p:sp>
-        <p:nvSpPr>
-          <p:cNvPr id="4" name="Date Placeholder 3">
-            <a:extLst>
-              <a:ext uri="{FF2B5EF4-FFF2-40B4-BE49-F238E27FC236}">
-                <a16:creationId xmlns:a16="http://schemas.microsoft.com/office/drawing/2014/main" id="{75207DE2-25DB-E444-94B8-4C4FF4F7B81B}"/>
-              </a:ext>
-            </a:extLst>
-          </p:cNvPr>
+            <a:endParaRPr lang="en-US" dirty="0"/>
+          </a:p>
+        </p:txBody>
+      </p:sp>
+      <p:sp>
+        <p:nvSpPr>
+          <p:cNvPr id="4" name="Date Placeholder 3"/>
           <p:cNvSpPr>
             <a:spLocks noGrp="1"/>
           </p:cNvSpPr>
@@ -262,13 +246,7 @@
       </p:sp>
       <p:sp>
         <p:nvSpPr>
-          <p:cNvPr id="5" name="Footer Placeholder 4">
-            <a:extLst>
-              <a:ext uri="{FF2B5EF4-FFF2-40B4-BE49-F238E27FC236}">
-                <a16:creationId xmlns:a16="http://schemas.microsoft.com/office/drawing/2014/main" id="{69D82393-024B-9E40-9619-3FD617E6DE07}"/>
-              </a:ext>
-            </a:extLst>
-          </p:cNvPr>
+          <p:cNvPr id="5" name="Footer Placeholder 4"/>
           <p:cNvSpPr>
             <a:spLocks noGrp="1"/>
           </p:cNvSpPr>
@@ -287,13 +265,7 @@
       </p:sp>
       <p:sp>
         <p:nvSpPr>
-          <p:cNvPr id="6" name="Slide Number Placeholder 5">
-            <a:extLst>
-              <a:ext uri="{FF2B5EF4-FFF2-40B4-BE49-F238E27FC236}">
-                <a16:creationId xmlns:a16="http://schemas.microsoft.com/office/drawing/2014/main" id="{02983AEC-2AAC-1F44-A240-9FCADF2A4D5A}"/>
-              </a:ext>
-            </a:extLst>
-          </p:cNvPr>
+          <p:cNvPr id="6" name="Slide Number Placeholder 5"/>
           <p:cNvSpPr>
             <a:spLocks noGrp="1"/>
           </p:cNvSpPr>
@@ -317,7 +289,7 @@
     </p:spTree>
     <p:extLst>
       <p:ext uri="{BB962C8B-B14F-4D97-AF65-F5344CB8AC3E}">
-        <p14:creationId xmlns:p14="http://schemas.microsoft.com/office/powerpoint/2010/main" val="1614672345"/>
+        <p14:creationId xmlns:p14="http://schemas.microsoft.com/office/powerpoint/2010/main" val="1797491721"/>
       </p:ext>
     </p:extLst>
   </p:cSld>
@@ -346,13 +318,7 @@
       </p:grpSpPr>
       <p:sp>
         <p:nvSpPr>
-          <p:cNvPr id="2" name="Title 1">
-            <a:extLst>
-              <a:ext uri="{FF2B5EF4-FFF2-40B4-BE49-F238E27FC236}">
-                <a16:creationId xmlns:a16="http://schemas.microsoft.com/office/drawing/2014/main" id="{E9587CE5-E646-7046-980A-25E189E0C636}"/>
-              </a:ext>
-            </a:extLst>
-          </p:cNvPr>
+          <p:cNvPr id="2" name="Title 1"/>
           <p:cNvSpPr>
             <a:spLocks noGrp="1"/>
           </p:cNvSpPr>
@@ -369,18 +335,13 @@
               <a:rPr lang="en-US"/>
               <a:t>Click to edit Master title style</a:t>
             </a:r>
-          </a:p>
-        </p:txBody>
-      </p:sp>
-      <p:sp>
-        <p:nvSpPr>
-          <p:cNvPr id="3" name="Vertical Text Placeholder 2">
-            <a:extLst>
-              <a:ext uri="{FF2B5EF4-FFF2-40B4-BE49-F238E27FC236}">
-                <a16:creationId xmlns:a16="http://schemas.microsoft.com/office/drawing/2014/main" id="{C9F29D00-BF65-D747-B56A-73AFE4159538}"/>
-              </a:ext>
-            </a:extLst>
-          </p:cNvPr>
+            <a:endParaRPr lang="en-US" dirty="0"/>
+          </a:p>
+        </p:txBody>
+      </p:sp>
+      <p:sp>
+        <p:nvSpPr>
+          <p:cNvPr id="3" name="Vertical Text Placeholder 2"/>
           <p:cNvSpPr>
             <a:spLocks noGrp="1"/>
           </p:cNvSpPr>
@@ -426,18 +387,13 @@
               <a:rPr lang="en-US"/>
               <a:t>Fifth level</a:t>
             </a:r>
-          </a:p>
-        </p:txBody>
-      </p:sp>
-      <p:sp>
-        <p:nvSpPr>
-          <p:cNvPr id="4" name="Date Placeholder 3">
-            <a:extLst>
-              <a:ext uri="{FF2B5EF4-FFF2-40B4-BE49-F238E27FC236}">
-                <a16:creationId xmlns:a16="http://schemas.microsoft.com/office/drawing/2014/main" id="{4C9FBB7D-869F-2B4A-A746-1C76A89988A3}"/>
-              </a:ext>
-            </a:extLst>
-          </p:cNvPr>
+            <a:endParaRPr lang="en-US" dirty="0"/>
+          </a:p>
+        </p:txBody>
+      </p:sp>
+      <p:sp>
+        <p:nvSpPr>
+          <p:cNvPr id="4" name="Date Placeholder 3"/>
           <p:cNvSpPr>
             <a:spLocks noGrp="1"/>
           </p:cNvSpPr>
@@ -460,13 +416,7 @@
       </p:sp>
       <p:sp>
         <p:nvSpPr>
-          <p:cNvPr id="5" name="Footer Placeholder 4">
-            <a:extLst>
-              <a:ext uri="{FF2B5EF4-FFF2-40B4-BE49-F238E27FC236}">
-                <a16:creationId xmlns:a16="http://schemas.microsoft.com/office/drawing/2014/main" id="{900FE743-06B8-7541-9440-D5642A55BA8F}"/>
-              </a:ext>
-            </a:extLst>
-          </p:cNvPr>
+          <p:cNvPr id="5" name="Footer Placeholder 4"/>
           <p:cNvSpPr>
             <a:spLocks noGrp="1"/>
           </p:cNvSpPr>
@@ -485,13 +435,7 @@
       </p:sp>
       <p:sp>
         <p:nvSpPr>
-          <p:cNvPr id="6" name="Slide Number Placeholder 5">
-            <a:extLst>
-              <a:ext uri="{FF2B5EF4-FFF2-40B4-BE49-F238E27FC236}">
-                <a16:creationId xmlns:a16="http://schemas.microsoft.com/office/drawing/2014/main" id="{0FE1B2C7-6AD0-D547-B922-D982AED41284}"/>
-              </a:ext>
-            </a:extLst>
-          </p:cNvPr>
+          <p:cNvPr id="6" name="Slide Number Placeholder 5"/>
           <p:cNvSpPr>
             <a:spLocks noGrp="1"/>
           </p:cNvSpPr>
@@ -515,7 +459,7 @@
     </p:spTree>
     <p:extLst>
       <p:ext uri="{BB962C8B-B14F-4D97-AF65-F5344CB8AC3E}">
-        <p14:creationId xmlns:p14="http://schemas.microsoft.com/office/powerpoint/2010/main" val="1442666301"/>
+        <p14:creationId xmlns:p14="http://schemas.microsoft.com/office/powerpoint/2010/main" val="576883679"/>
       </p:ext>
     </p:extLst>
   </p:cSld>
@@ -544,13 +488,7 @@
       </p:grpSpPr>
       <p:sp>
         <p:nvSpPr>
-          <p:cNvPr id="2" name="Vertical Title 1">
-            <a:extLst>
-              <a:ext uri="{FF2B5EF4-FFF2-40B4-BE49-F238E27FC236}">
-                <a16:creationId xmlns:a16="http://schemas.microsoft.com/office/drawing/2014/main" id="{37A940AA-6B68-C64E-A3EC-07006C92E75D}"/>
-              </a:ext>
-            </a:extLst>
-          </p:cNvPr>
+          <p:cNvPr id="2" name="Vertical Title 1"/>
           <p:cNvSpPr>
             <a:spLocks noGrp="1"/>
           </p:cNvSpPr>
@@ -560,8 +498,8 @@
         </p:nvSpPr>
         <p:spPr>
           <a:xfrm>
-            <a:off x="8724900" y="365125"/>
-            <a:ext cx="2628900" cy="5811838"/>
+            <a:off x="9815512" y="365125"/>
+            <a:ext cx="2957513" cy="5811838"/>
           </a:xfrm>
         </p:spPr>
         <p:txBody>
@@ -572,18 +510,13 @@
               <a:rPr lang="en-US"/>
               <a:t>Click to edit Master title style</a:t>
             </a:r>
-          </a:p>
-        </p:txBody>
-      </p:sp>
-      <p:sp>
-        <p:nvSpPr>
-          <p:cNvPr id="3" name="Vertical Text Placeholder 2">
-            <a:extLst>
-              <a:ext uri="{FF2B5EF4-FFF2-40B4-BE49-F238E27FC236}">
-                <a16:creationId xmlns:a16="http://schemas.microsoft.com/office/drawing/2014/main" id="{AF482713-496C-734B-9339-5E1E0014B1FC}"/>
-              </a:ext>
-            </a:extLst>
-          </p:cNvPr>
+            <a:endParaRPr lang="en-US" dirty="0"/>
+          </a:p>
+        </p:txBody>
+      </p:sp>
+      <p:sp>
+        <p:nvSpPr>
+          <p:cNvPr id="3" name="Vertical Text Placeholder 2"/>
           <p:cNvSpPr>
             <a:spLocks noGrp="1"/>
           </p:cNvSpPr>
@@ -593,8 +526,8 @@
         </p:nvSpPr>
         <p:spPr>
           <a:xfrm>
-            <a:off x="838200" y="365125"/>
-            <a:ext cx="7734300" cy="5811838"/>
+            <a:off x="942975" y="365125"/>
+            <a:ext cx="8701088" cy="5811838"/>
           </a:xfrm>
         </p:spPr>
         <p:txBody>
@@ -634,18 +567,13 @@
               <a:rPr lang="en-US"/>
               <a:t>Fifth level</a:t>
             </a:r>
-          </a:p>
-        </p:txBody>
-      </p:sp>
-      <p:sp>
-        <p:nvSpPr>
-          <p:cNvPr id="4" name="Date Placeholder 3">
-            <a:extLst>
-              <a:ext uri="{FF2B5EF4-FFF2-40B4-BE49-F238E27FC236}">
-                <a16:creationId xmlns:a16="http://schemas.microsoft.com/office/drawing/2014/main" id="{8F5758FE-89C2-6C49-98D2-C4B92B2868DF}"/>
-              </a:ext>
-            </a:extLst>
-          </p:cNvPr>
+            <a:endParaRPr lang="en-US" dirty="0"/>
+          </a:p>
+        </p:txBody>
+      </p:sp>
+      <p:sp>
+        <p:nvSpPr>
+          <p:cNvPr id="4" name="Date Placeholder 3"/>
           <p:cNvSpPr>
             <a:spLocks noGrp="1"/>
           </p:cNvSpPr>
@@ -668,13 +596,7 @@
       </p:sp>
       <p:sp>
         <p:nvSpPr>
-          <p:cNvPr id="5" name="Footer Placeholder 4">
-            <a:extLst>
-              <a:ext uri="{FF2B5EF4-FFF2-40B4-BE49-F238E27FC236}">
-                <a16:creationId xmlns:a16="http://schemas.microsoft.com/office/drawing/2014/main" id="{B1E25EEF-FB36-D24F-BC41-C07411FA4168}"/>
-              </a:ext>
-            </a:extLst>
-          </p:cNvPr>
+          <p:cNvPr id="5" name="Footer Placeholder 4"/>
           <p:cNvSpPr>
             <a:spLocks noGrp="1"/>
           </p:cNvSpPr>
@@ -693,13 +615,7 @@
       </p:sp>
       <p:sp>
         <p:nvSpPr>
-          <p:cNvPr id="6" name="Slide Number Placeholder 5">
-            <a:extLst>
-              <a:ext uri="{FF2B5EF4-FFF2-40B4-BE49-F238E27FC236}">
-                <a16:creationId xmlns:a16="http://schemas.microsoft.com/office/drawing/2014/main" id="{623C199E-BCCF-EB46-901F-F9F54FF135E1}"/>
-              </a:ext>
-            </a:extLst>
-          </p:cNvPr>
+          <p:cNvPr id="6" name="Slide Number Placeholder 5"/>
           <p:cNvSpPr>
             <a:spLocks noGrp="1"/>
           </p:cNvSpPr>
@@ -723,7 +639,7 @@
     </p:spTree>
     <p:extLst>
       <p:ext uri="{BB962C8B-B14F-4D97-AF65-F5344CB8AC3E}">
-        <p14:creationId xmlns:p14="http://schemas.microsoft.com/office/powerpoint/2010/main" val="1415010226"/>
+        <p14:creationId xmlns:p14="http://schemas.microsoft.com/office/powerpoint/2010/main" val="3415149298"/>
       </p:ext>
     </p:extLst>
   </p:cSld>
@@ -752,13 +668,7 @@
       </p:grpSpPr>
       <p:sp>
         <p:nvSpPr>
-          <p:cNvPr id="2" name="Title 1">
-            <a:extLst>
-              <a:ext uri="{FF2B5EF4-FFF2-40B4-BE49-F238E27FC236}">
-                <a16:creationId xmlns:a16="http://schemas.microsoft.com/office/drawing/2014/main" id="{3BAC8AA6-1E89-5E44-B00A-0597E84EA75D}"/>
-              </a:ext>
-            </a:extLst>
-          </p:cNvPr>
+          <p:cNvPr id="2" name="Title 1"/>
           <p:cNvSpPr>
             <a:spLocks noGrp="1"/>
           </p:cNvSpPr>
@@ -775,18 +685,13 @@
               <a:rPr lang="en-US"/>
               <a:t>Click to edit Master title style</a:t>
             </a:r>
-          </a:p>
-        </p:txBody>
-      </p:sp>
-      <p:sp>
-        <p:nvSpPr>
-          <p:cNvPr id="3" name="Content Placeholder 2">
-            <a:extLst>
-              <a:ext uri="{FF2B5EF4-FFF2-40B4-BE49-F238E27FC236}">
-                <a16:creationId xmlns:a16="http://schemas.microsoft.com/office/drawing/2014/main" id="{7D9E66AA-1B8C-0B48-8773-E322611C0AF3}"/>
-              </a:ext>
-            </a:extLst>
-          </p:cNvPr>
+            <a:endParaRPr lang="en-US" dirty="0"/>
+          </a:p>
+        </p:txBody>
+      </p:sp>
+      <p:sp>
+        <p:nvSpPr>
+          <p:cNvPr id="3" name="Content Placeholder 2"/>
           <p:cNvSpPr>
             <a:spLocks noGrp="1"/>
           </p:cNvSpPr>
@@ -832,18 +737,13 @@
               <a:rPr lang="en-US"/>
               <a:t>Fifth level</a:t>
             </a:r>
-          </a:p>
-        </p:txBody>
-      </p:sp>
-      <p:sp>
-        <p:nvSpPr>
-          <p:cNvPr id="4" name="Date Placeholder 3">
-            <a:extLst>
-              <a:ext uri="{FF2B5EF4-FFF2-40B4-BE49-F238E27FC236}">
-                <a16:creationId xmlns:a16="http://schemas.microsoft.com/office/drawing/2014/main" id="{116BA79E-FE7F-BA45-99E8-F9E07EE3782E}"/>
-              </a:ext>
-            </a:extLst>
-          </p:cNvPr>
+            <a:endParaRPr lang="en-US" dirty="0"/>
+          </a:p>
+        </p:txBody>
+      </p:sp>
+      <p:sp>
+        <p:nvSpPr>
+          <p:cNvPr id="4" name="Date Placeholder 3"/>
           <p:cNvSpPr>
             <a:spLocks noGrp="1"/>
           </p:cNvSpPr>
@@ -866,13 +766,7 @@
       </p:sp>
       <p:sp>
         <p:nvSpPr>
-          <p:cNvPr id="5" name="Footer Placeholder 4">
-            <a:extLst>
-              <a:ext uri="{FF2B5EF4-FFF2-40B4-BE49-F238E27FC236}">
-                <a16:creationId xmlns:a16="http://schemas.microsoft.com/office/drawing/2014/main" id="{7F7723FC-796B-D145-B474-B4CB2313B505}"/>
-              </a:ext>
-            </a:extLst>
-          </p:cNvPr>
+          <p:cNvPr id="5" name="Footer Placeholder 4"/>
           <p:cNvSpPr>
             <a:spLocks noGrp="1"/>
           </p:cNvSpPr>
@@ -891,13 +785,7 @@
       </p:sp>
       <p:sp>
         <p:nvSpPr>
-          <p:cNvPr id="6" name="Slide Number Placeholder 5">
-            <a:extLst>
-              <a:ext uri="{FF2B5EF4-FFF2-40B4-BE49-F238E27FC236}">
-                <a16:creationId xmlns:a16="http://schemas.microsoft.com/office/drawing/2014/main" id="{59AF3F2F-510A-6545-B90E-5984482E267F}"/>
-              </a:ext>
-            </a:extLst>
-          </p:cNvPr>
+          <p:cNvPr id="6" name="Slide Number Placeholder 5"/>
           <p:cNvSpPr>
             <a:spLocks noGrp="1"/>
           </p:cNvSpPr>
@@ -921,7 +809,7 @@
     </p:spTree>
     <p:extLst>
       <p:ext uri="{BB962C8B-B14F-4D97-AF65-F5344CB8AC3E}">
-        <p14:creationId xmlns:p14="http://schemas.microsoft.com/office/powerpoint/2010/main" val="2836201584"/>
+        <p14:creationId xmlns:p14="http://schemas.microsoft.com/office/powerpoint/2010/main" val="64834592"/>
       </p:ext>
     </p:extLst>
   </p:cSld>
@@ -950,13 +838,7 @@
       </p:grpSpPr>
       <p:sp>
         <p:nvSpPr>
-          <p:cNvPr id="2" name="Title 1">
-            <a:extLst>
-              <a:ext uri="{FF2B5EF4-FFF2-40B4-BE49-F238E27FC236}">
-                <a16:creationId xmlns:a16="http://schemas.microsoft.com/office/drawing/2014/main" id="{4C45B921-16C4-754E-B2E7-AB829F695434}"/>
-              </a:ext>
-            </a:extLst>
-          </p:cNvPr>
+          <p:cNvPr id="2" name="Title 1"/>
           <p:cNvSpPr>
             <a:spLocks noGrp="1"/>
           </p:cNvSpPr>
@@ -966,8 +848,8 @@
         </p:nvSpPr>
         <p:spPr>
           <a:xfrm>
-            <a:off x="831850" y="1709738"/>
-            <a:ext cx="10515600" cy="2852737"/>
+            <a:off x="935831" y="1709739"/>
+            <a:ext cx="11830050" cy="2852737"/>
           </a:xfrm>
         </p:spPr>
         <p:txBody>
@@ -982,18 +864,13 @@
               <a:rPr lang="en-US"/>
               <a:t>Click to edit Master title style</a:t>
             </a:r>
-          </a:p>
-        </p:txBody>
-      </p:sp>
-      <p:sp>
-        <p:nvSpPr>
-          <p:cNvPr id="3" name="Text Placeholder 2">
-            <a:extLst>
-              <a:ext uri="{FF2B5EF4-FFF2-40B4-BE49-F238E27FC236}">
-                <a16:creationId xmlns:a16="http://schemas.microsoft.com/office/drawing/2014/main" id="{AA3CF3B5-31BD-3D4B-AC9F-9DF3CD83826C}"/>
-              </a:ext>
-            </a:extLst>
-          </p:cNvPr>
+            <a:endParaRPr lang="en-US" dirty="0"/>
+          </a:p>
+        </p:txBody>
+      </p:sp>
+      <p:sp>
+        <p:nvSpPr>
+          <p:cNvPr id="3" name="Text Placeholder 2"/>
           <p:cNvSpPr>
             <a:spLocks noGrp="1"/>
           </p:cNvSpPr>
@@ -1003,8 +880,8 @@
         </p:nvSpPr>
         <p:spPr>
           <a:xfrm>
-            <a:off x="831850" y="4589463"/>
-            <a:ext cx="10515600" cy="1500187"/>
+            <a:off x="935831" y="4589464"/>
+            <a:ext cx="11830050" cy="1500187"/>
           </a:xfrm>
         </p:spPr>
         <p:txBody>
@@ -1112,13 +989,7 @@
       </p:sp>
       <p:sp>
         <p:nvSpPr>
-          <p:cNvPr id="4" name="Date Placeholder 3">
-            <a:extLst>
-              <a:ext uri="{FF2B5EF4-FFF2-40B4-BE49-F238E27FC236}">
-                <a16:creationId xmlns:a16="http://schemas.microsoft.com/office/drawing/2014/main" id="{53E9858B-89B9-3248-B9F5-2FD6DD5F989D}"/>
-              </a:ext>
-            </a:extLst>
-          </p:cNvPr>
+          <p:cNvPr id="4" name="Date Placeholder 3"/>
           <p:cNvSpPr>
             <a:spLocks noGrp="1"/>
           </p:cNvSpPr>
@@ -1141,13 +1012,7 @@
       </p:sp>
       <p:sp>
         <p:nvSpPr>
-          <p:cNvPr id="5" name="Footer Placeholder 4">
-            <a:extLst>
-              <a:ext uri="{FF2B5EF4-FFF2-40B4-BE49-F238E27FC236}">
-                <a16:creationId xmlns:a16="http://schemas.microsoft.com/office/drawing/2014/main" id="{EB299282-6057-014B-A08A-C48A2B114CA8}"/>
-              </a:ext>
-            </a:extLst>
-          </p:cNvPr>
+          <p:cNvPr id="5" name="Footer Placeholder 4"/>
           <p:cNvSpPr>
             <a:spLocks noGrp="1"/>
           </p:cNvSpPr>
@@ -1166,13 +1031,7 @@
       </p:sp>
       <p:sp>
         <p:nvSpPr>
-          <p:cNvPr id="6" name="Slide Number Placeholder 5">
-            <a:extLst>
-              <a:ext uri="{FF2B5EF4-FFF2-40B4-BE49-F238E27FC236}">
-                <a16:creationId xmlns:a16="http://schemas.microsoft.com/office/drawing/2014/main" id="{29891927-1702-394B-B9D1-3BD9BFBC52F0}"/>
-              </a:ext>
-            </a:extLst>
-          </p:cNvPr>
+          <p:cNvPr id="6" name="Slide Number Placeholder 5"/>
           <p:cNvSpPr>
             <a:spLocks noGrp="1"/>
           </p:cNvSpPr>
@@ -1196,7 +1055,7 @@
     </p:spTree>
     <p:extLst>
       <p:ext uri="{BB962C8B-B14F-4D97-AF65-F5344CB8AC3E}">
-        <p14:creationId xmlns:p14="http://schemas.microsoft.com/office/powerpoint/2010/main" val="122151309"/>
+        <p14:creationId xmlns:p14="http://schemas.microsoft.com/office/powerpoint/2010/main" val="2977609460"/>
       </p:ext>
     </p:extLst>
   </p:cSld>
@@ -1225,13 +1084,7 @@
       </p:grpSpPr>
       <p:sp>
         <p:nvSpPr>
-          <p:cNvPr id="2" name="Title 1">
-            <a:extLst>
-              <a:ext uri="{FF2B5EF4-FFF2-40B4-BE49-F238E27FC236}">
-                <a16:creationId xmlns:a16="http://schemas.microsoft.com/office/drawing/2014/main" id="{86710F23-CFC7-D74B-BEE9-15CB134485A6}"/>
-              </a:ext>
-            </a:extLst>
-          </p:cNvPr>
+          <p:cNvPr id="2" name="Title 1"/>
           <p:cNvSpPr>
             <a:spLocks noGrp="1"/>
           </p:cNvSpPr>
@@ -1248,18 +1101,13 @@
               <a:rPr lang="en-US"/>
               <a:t>Click to edit Master title style</a:t>
             </a:r>
-          </a:p>
-        </p:txBody>
-      </p:sp>
-      <p:sp>
-        <p:nvSpPr>
-          <p:cNvPr id="3" name="Content Placeholder 2">
-            <a:extLst>
-              <a:ext uri="{FF2B5EF4-FFF2-40B4-BE49-F238E27FC236}">
-                <a16:creationId xmlns:a16="http://schemas.microsoft.com/office/drawing/2014/main" id="{4AA6DA42-D551-804F-AEDF-F52DCD42C85F}"/>
-              </a:ext>
-            </a:extLst>
-          </p:cNvPr>
+            <a:endParaRPr lang="en-US" dirty="0"/>
+          </a:p>
+        </p:txBody>
+      </p:sp>
+      <p:sp>
+        <p:nvSpPr>
+          <p:cNvPr id="3" name="Content Placeholder 2"/>
           <p:cNvSpPr>
             <a:spLocks noGrp="1"/>
           </p:cNvSpPr>
@@ -1269,8 +1117,8 @@
         </p:nvSpPr>
         <p:spPr>
           <a:xfrm>
-            <a:off x="838200" y="1825625"/>
-            <a:ext cx="5181600" cy="4351338"/>
+            <a:off x="942975" y="1825625"/>
+            <a:ext cx="5829300" cy="4351338"/>
           </a:xfrm>
         </p:spPr>
         <p:txBody>
@@ -1310,18 +1158,13 @@
               <a:rPr lang="en-US"/>
               <a:t>Fifth level</a:t>
             </a:r>
-          </a:p>
-        </p:txBody>
-      </p:sp>
-      <p:sp>
-        <p:nvSpPr>
-          <p:cNvPr id="4" name="Content Placeholder 3">
-            <a:extLst>
-              <a:ext uri="{FF2B5EF4-FFF2-40B4-BE49-F238E27FC236}">
-                <a16:creationId xmlns:a16="http://schemas.microsoft.com/office/drawing/2014/main" id="{346E00FD-FB20-ED47-ABF0-BADD8DC3DB44}"/>
-              </a:ext>
-            </a:extLst>
-          </p:cNvPr>
+            <a:endParaRPr lang="en-US" dirty="0"/>
+          </a:p>
+        </p:txBody>
+      </p:sp>
+      <p:sp>
+        <p:nvSpPr>
+          <p:cNvPr id="4" name="Content Placeholder 3"/>
           <p:cNvSpPr>
             <a:spLocks noGrp="1"/>
           </p:cNvSpPr>
@@ -1331,8 +1174,8 @@
         </p:nvSpPr>
         <p:spPr>
           <a:xfrm>
-            <a:off x="6172200" y="1825625"/>
-            <a:ext cx="5181600" cy="4351338"/>
+            <a:off x="6943725" y="1825625"/>
+            <a:ext cx="5829300" cy="4351338"/>
           </a:xfrm>
         </p:spPr>
         <p:txBody>
@@ -1372,18 +1215,13 @@
               <a:rPr lang="en-US"/>
               <a:t>Fifth level</a:t>
             </a:r>
-          </a:p>
-        </p:txBody>
-      </p:sp>
-      <p:sp>
-        <p:nvSpPr>
-          <p:cNvPr id="5" name="Date Placeholder 4">
-            <a:extLst>
-              <a:ext uri="{FF2B5EF4-FFF2-40B4-BE49-F238E27FC236}">
-                <a16:creationId xmlns:a16="http://schemas.microsoft.com/office/drawing/2014/main" id="{81A0547E-9D00-9642-9B66-CFBA2901BBE3}"/>
-              </a:ext>
-            </a:extLst>
-          </p:cNvPr>
+            <a:endParaRPr lang="en-US" dirty="0"/>
+          </a:p>
+        </p:txBody>
+      </p:sp>
+      <p:sp>
+        <p:nvSpPr>
+          <p:cNvPr id="5" name="Date Placeholder 4"/>
           <p:cNvSpPr>
             <a:spLocks noGrp="1"/>
           </p:cNvSpPr>
@@ -1406,13 +1244,7 @@
       </p:sp>
       <p:sp>
         <p:nvSpPr>
-          <p:cNvPr id="6" name="Footer Placeholder 5">
-            <a:extLst>
-              <a:ext uri="{FF2B5EF4-FFF2-40B4-BE49-F238E27FC236}">
-                <a16:creationId xmlns:a16="http://schemas.microsoft.com/office/drawing/2014/main" id="{243753CE-E604-5140-A11A-C97A0D3B77AE}"/>
-              </a:ext>
-            </a:extLst>
-          </p:cNvPr>
+          <p:cNvPr id="6" name="Footer Placeholder 5"/>
           <p:cNvSpPr>
             <a:spLocks noGrp="1"/>
           </p:cNvSpPr>
@@ -1431,13 +1263,7 @@
       </p:sp>
       <p:sp>
         <p:nvSpPr>
-          <p:cNvPr id="7" name="Slide Number Placeholder 6">
-            <a:extLst>
-              <a:ext uri="{FF2B5EF4-FFF2-40B4-BE49-F238E27FC236}">
-                <a16:creationId xmlns:a16="http://schemas.microsoft.com/office/drawing/2014/main" id="{4E37EC01-E6F2-0343-987F-BE71FB9DC916}"/>
-              </a:ext>
-            </a:extLst>
-          </p:cNvPr>
+          <p:cNvPr id="7" name="Slide Number Placeholder 6"/>
           <p:cNvSpPr>
             <a:spLocks noGrp="1"/>
           </p:cNvSpPr>
@@ -1461,7 +1287,7 @@
     </p:spTree>
     <p:extLst>
       <p:ext uri="{BB962C8B-B14F-4D97-AF65-F5344CB8AC3E}">
-        <p14:creationId xmlns:p14="http://schemas.microsoft.com/office/powerpoint/2010/main" val="205256186"/>
+        <p14:creationId xmlns:p14="http://schemas.microsoft.com/office/powerpoint/2010/main" val="2746526291"/>
       </p:ext>
     </p:extLst>
   </p:cSld>
@@ -1490,13 +1316,7 @@
       </p:grpSpPr>
       <p:sp>
         <p:nvSpPr>
-          <p:cNvPr id="2" name="Title 1">
-            <a:extLst>
-              <a:ext uri="{FF2B5EF4-FFF2-40B4-BE49-F238E27FC236}">
-                <a16:creationId xmlns:a16="http://schemas.microsoft.com/office/drawing/2014/main" id="{331AE282-E75B-CC43-BD81-3927EC78092C}"/>
-              </a:ext>
-            </a:extLst>
-          </p:cNvPr>
+          <p:cNvPr id="2" name="Title 1"/>
           <p:cNvSpPr>
             <a:spLocks noGrp="1"/>
           </p:cNvSpPr>
@@ -1506,8 +1326,8 @@
         </p:nvSpPr>
         <p:spPr>
           <a:xfrm>
-            <a:off x="839788" y="365125"/>
-            <a:ext cx="10515600" cy="1325563"/>
+            <a:off x="944762" y="365126"/>
+            <a:ext cx="11830050" cy="1325563"/>
           </a:xfrm>
         </p:spPr>
         <p:txBody>
@@ -1518,18 +1338,13 @@
               <a:rPr lang="en-US"/>
               <a:t>Click to edit Master title style</a:t>
             </a:r>
-          </a:p>
-        </p:txBody>
-      </p:sp>
-      <p:sp>
-        <p:nvSpPr>
-          <p:cNvPr id="3" name="Text Placeholder 2">
-            <a:extLst>
-              <a:ext uri="{FF2B5EF4-FFF2-40B4-BE49-F238E27FC236}">
-                <a16:creationId xmlns:a16="http://schemas.microsoft.com/office/drawing/2014/main" id="{C90EAE56-D940-BC47-8908-2D4205510AF5}"/>
-              </a:ext>
-            </a:extLst>
-          </p:cNvPr>
+            <a:endParaRPr lang="en-US" dirty="0"/>
+          </a:p>
+        </p:txBody>
+      </p:sp>
+      <p:sp>
+        <p:nvSpPr>
+          <p:cNvPr id="3" name="Text Placeholder 2"/>
           <p:cNvSpPr>
             <a:spLocks noGrp="1"/>
           </p:cNvSpPr>
@@ -1539,8 +1354,8 @@
         </p:nvSpPr>
         <p:spPr>
           <a:xfrm>
-            <a:off x="839788" y="1681163"/>
-            <a:ext cx="5157787" cy="823912"/>
+            <a:off x="944762" y="1681163"/>
+            <a:ext cx="5802510" cy="823912"/>
           </a:xfrm>
         </p:spPr>
         <p:txBody>
@@ -1594,13 +1409,7 @@
       </p:sp>
       <p:sp>
         <p:nvSpPr>
-          <p:cNvPr id="4" name="Content Placeholder 3">
-            <a:extLst>
-              <a:ext uri="{FF2B5EF4-FFF2-40B4-BE49-F238E27FC236}">
-                <a16:creationId xmlns:a16="http://schemas.microsoft.com/office/drawing/2014/main" id="{B4D0E2AC-4F7E-0848-BCA7-CF85DCC8A1A0}"/>
-              </a:ext>
-            </a:extLst>
-          </p:cNvPr>
+          <p:cNvPr id="4" name="Content Placeholder 3"/>
           <p:cNvSpPr>
             <a:spLocks noGrp="1"/>
           </p:cNvSpPr>
@@ -1610,8 +1419,8 @@
         </p:nvSpPr>
         <p:spPr>
           <a:xfrm>
-            <a:off x="839788" y="2505075"/>
-            <a:ext cx="5157787" cy="3684588"/>
+            <a:off x="944762" y="2505075"/>
+            <a:ext cx="5802510" cy="3684588"/>
           </a:xfrm>
         </p:spPr>
         <p:txBody>
@@ -1651,18 +1460,13 @@
               <a:rPr lang="en-US"/>
               <a:t>Fifth level</a:t>
             </a:r>
-          </a:p>
-        </p:txBody>
-      </p:sp>
-      <p:sp>
-        <p:nvSpPr>
-          <p:cNvPr id="5" name="Text Placeholder 4">
-            <a:extLst>
-              <a:ext uri="{FF2B5EF4-FFF2-40B4-BE49-F238E27FC236}">
-                <a16:creationId xmlns:a16="http://schemas.microsoft.com/office/drawing/2014/main" id="{756D3072-CC29-4D4E-AFBF-9E20031022CC}"/>
-              </a:ext>
-            </a:extLst>
-          </p:cNvPr>
+            <a:endParaRPr lang="en-US" dirty="0"/>
+          </a:p>
+        </p:txBody>
+      </p:sp>
+      <p:sp>
+        <p:nvSpPr>
+          <p:cNvPr id="5" name="Text Placeholder 4"/>
           <p:cNvSpPr>
             <a:spLocks noGrp="1"/>
           </p:cNvSpPr>
@@ -1672,8 +1476,8 @@
         </p:nvSpPr>
         <p:spPr>
           <a:xfrm>
-            <a:off x="6172200" y="1681163"/>
-            <a:ext cx="5183188" cy="823912"/>
+            <a:off x="6943725" y="1681163"/>
+            <a:ext cx="5831087" cy="823912"/>
           </a:xfrm>
         </p:spPr>
         <p:txBody>
@@ -1727,13 +1531,7 @@
       </p:sp>
       <p:sp>
         <p:nvSpPr>
-          <p:cNvPr id="6" name="Content Placeholder 5">
-            <a:extLst>
-              <a:ext uri="{FF2B5EF4-FFF2-40B4-BE49-F238E27FC236}">
-                <a16:creationId xmlns:a16="http://schemas.microsoft.com/office/drawing/2014/main" id="{E7A318C4-F42E-6848-9EB6-804FF98BC7FE}"/>
-              </a:ext>
-            </a:extLst>
-          </p:cNvPr>
+          <p:cNvPr id="6" name="Content Placeholder 5"/>
           <p:cNvSpPr>
             <a:spLocks noGrp="1"/>
           </p:cNvSpPr>
@@ -1743,8 +1541,8 @@
         </p:nvSpPr>
         <p:spPr>
           <a:xfrm>
-            <a:off x="6172200" y="2505075"/>
-            <a:ext cx="5183188" cy="3684588"/>
+            <a:off x="6943725" y="2505075"/>
+            <a:ext cx="5831087" cy="3684588"/>
           </a:xfrm>
         </p:spPr>
         <p:txBody>
@@ -1784,18 +1582,13 @@
               <a:rPr lang="en-US"/>
               <a:t>Fifth level</a:t>
             </a:r>
-          </a:p>
-        </p:txBody>
-      </p:sp>
-      <p:sp>
-        <p:nvSpPr>
-          <p:cNvPr id="7" name="Date Placeholder 6">
-            <a:extLst>
-              <a:ext uri="{FF2B5EF4-FFF2-40B4-BE49-F238E27FC236}">
-                <a16:creationId xmlns:a16="http://schemas.microsoft.com/office/drawing/2014/main" id="{C0938DE3-1A32-9445-8ED7-5E61B2246E0F}"/>
-              </a:ext>
-            </a:extLst>
-          </p:cNvPr>
+            <a:endParaRPr lang="en-US" dirty="0"/>
+          </a:p>
+        </p:txBody>
+      </p:sp>
+      <p:sp>
+        <p:nvSpPr>
+          <p:cNvPr id="7" name="Date Placeholder 6"/>
           <p:cNvSpPr>
             <a:spLocks noGrp="1"/>
           </p:cNvSpPr>
@@ -1818,13 +1611,7 @@
       </p:sp>
       <p:sp>
         <p:nvSpPr>
-          <p:cNvPr id="8" name="Footer Placeholder 7">
-            <a:extLst>
-              <a:ext uri="{FF2B5EF4-FFF2-40B4-BE49-F238E27FC236}">
-                <a16:creationId xmlns:a16="http://schemas.microsoft.com/office/drawing/2014/main" id="{A6F1DE9A-A94F-5741-AA9D-041129B8B619}"/>
-              </a:ext>
-            </a:extLst>
-          </p:cNvPr>
+          <p:cNvPr id="8" name="Footer Placeholder 7"/>
           <p:cNvSpPr>
             <a:spLocks noGrp="1"/>
           </p:cNvSpPr>
@@ -1843,13 +1630,7 @@
       </p:sp>
       <p:sp>
         <p:nvSpPr>
-          <p:cNvPr id="9" name="Slide Number Placeholder 8">
-            <a:extLst>
-              <a:ext uri="{FF2B5EF4-FFF2-40B4-BE49-F238E27FC236}">
-                <a16:creationId xmlns:a16="http://schemas.microsoft.com/office/drawing/2014/main" id="{40CB8F70-CBBD-404C-995B-91E9C4501FFE}"/>
-              </a:ext>
-            </a:extLst>
-          </p:cNvPr>
+          <p:cNvPr id="9" name="Slide Number Placeholder 8"/>
           <p:cNvSpPr>
             <a:spLocks noGrp="1"/>
           </p:cNvSpPr>
@@ -1873,7 +1654,7 @@
     </p:spTree>
     <p:extLst>
       <p:ext uri="{BB962C8B-B14F-4D97-AF65-F5344CB8AC3E}">
-        <p14:creationId xmlns:p14="http://schemas.microsoft.com/office/powerpoint/2010/main" val="2553784662"/>
+        <p14:creationId xmlns:p14="http://schemas.microsoft.com/office/powerpoint/2010/main" val="444797326"/>
       </p:ext>
     </p:extLst>
   </p:cSld>
@@ -1902,13 +1683,7 @@
       </p:grpSpPr>
       <p:sp>
         <p:nvSpPr>
-          <p:cNvPr id="2" name="Title 1">
-            <a:extLst>
-              <a:ext uri="{FF2B5EF4-FFF2-40B4-BE49-F238E27FC236}">
-                <a16:creationId xmlns:a16="http://schemas.microsoft.com/office/drawing/2014/main" id="{9D13DBE9-E669-344F-A509-B741D3EF5DBA}"/>
-              </a:ext>
-            </a:extLst>
-          </p:cNvPr>
+          <p:cNvPr id="2" name="Title 1"/>
           <p:cNvSpPr>
             <a:spLocks noGrp="1"/>
           </p:cNvSpPr>
@@ -1925,18 +1700,13 @@
               <a:rPr lang="en-US"/>
               <a:t>Click to edit Master title style</a:t>
             </a:r>
-          </a:p>
-        </p:txBody>
-      </p:sp>
-      <p:sp>
-        <p:nvSpPr>
-          <p:cNvPr id="3" name="Date Placeholder 2">
-            <a:extLst>
-              <a:ext uri="{FF2B5EF4-FFF2-40B4-BE49-F238E27FC236}">
-                <a16:creationId xmlns:a16="http://schemas.microsoft.com/office/drawing/2014/main" id="{824AFB6E-5A96-7F4F-ACE3-C9E1E578CEBC}"/>
-              </a:ext>
-            </a:extLst>
-          </p:cNvPr>
+            <a:endParaRPr lang="en-US" dirty="0"/>
+          </a:p>
+        </p:txBody>
+      </p:sp>
+      <p:sp>
+        <p:nvSpPr>
+          <p:cNvPr id="3" name="Date Placeholder 2"/>
           <p:cNvSpPr>
             <a:spLocks noGrp="1"/>
           </p:cNvSpPr>
@@ -1959,13 +1729,7 @@
       </p:sp>
       <p:sp>
         <p:nvSpPr>
-          <p:cNvPr id="4" name="Footer Placeholder 3">
-            <a:extLst>
-              <a:ext uri="{FF2B5EF4-FFF2-40B4-BE49-F238E27FC236}">
-                <a16:creationId xmlns:a16="http://schemas.microsoft.com/office/drawing/2014/main" id="{AA95840F-4D2B-344F-83C5-70689DD982B5}"/>
-              </a:ext>
-            </a:extLst>
-          </p:cNvPr>
+          <p:cNvPr id="4" name="Footer Placeholder 3"/>
           <p:cNvSpPr>
             <a:spLocks noGrp="1"/>
           </p:cNvSpPr>
@@ -1984,13 +1748,7 @@
       </p:sp>
       <p:sp>
         <p:nvSpPr>
-          <p:cNvPr id="5" name="Slide Number Placeholder 4">
-            <a:extLst>
-              <a:ext uri="{FF2B5EF4-FFF2-40B4-BE49-F238E27FC236}">
-                <a16:creationId xmlns:a16="http://schemas.microsoft.com/office/drawing/2014/main" id="{32BE6AC3-6D4D-0448-88CA-93C713931785}"/>
-              </a:ext>
-            </a:extLst>
-          </p:cNvPr>
+          <p:cNvPr id="5" name="Slide Number Placeholder 4"/>
           <p:cNvSpPr>
             <a:spLocks noGrp="1"/>
           </p:cNvSpPr>
@@ -2014,7 +1772,7 @@
     </p:spTree>
     <p:extLst>
       <p:ext uri="{BB962C8B-B14F-4D97-AF65-F5344CB8AC3E}">
-        <p14:creationId xmlns:p14="http://schemas.microsoft.com/office/powerpoint/2010/main" val="298577597"/>
+        <p14:creationId xmlns:p14="http://schemas.microsoft.com/office/powerpoint/2010/main" val="1893782697"/>
       </p:ext>
     </p:extLst>
   </p:cSld>
@@ -2043,13 +1801,7 @@
       </p:grpSpPr>
       <p:sp>
         <p:nvSpPr>
-          <p:cNvPr id="2" name="Date Placeholder 1">
-            <a:extLst>
-              <a:ext uri="{FF2B5EF4-FFF2-40B4-BE49-F238E27FC236}">
-                <a16:creationId xmlns:a16="http://schemas.microsoft.com/office/drawing/2014/main" id="{6ABBC3BC-3C00-0749-9DB7-9A538B468443}"/>
-              </a:ext>
-            </a:extLst>
-          </p:cNvPr>
+          <p:cNvPr id="2" name="Date Placeholder 1"/>
           <p:cNvSpPr>
             <a:spLocks noGrp="1"/>
           </p:cNvSpPr>
@@ -2072,13 +1824,7 @@
       </p:sp>
       <p:sp>
         <p:nvSpPr>
-          <p:cNvPr id="3" name="Footer Placeholder 2">
-            <a:extLst>
-              <a:ext uri="{FF2B5EF4-FFF2-40B4-BE49-F238E27FC236}">
-                <a16:creationId xmlns:a16="http://schemas.microsoft.com/office/drawing/2014/main" id="{09831413-63E0-D348-984A-227E1A4B5525}"/>
-              </a:ext>
-            </a:extLst>
-          </p:cNvPr>
+          <p:cNvPr id="3" name="Footer Placeholder 2"/>
           <p:cNvSpPr>
             <a:spLocks noGrp="1"/>
           </p:cNvSpPr>
@@ -2097,13 +1843,7 @@
       </p:sp>
       <p:sp>
         <p:nvSpPr>
-          <p:cNvPr id="4" name="Slide Number Placeholder 3">
-            <a:extLst>
-              <a:ext uri="{FF2B5EF4-FFF2-40B4-BE49-F238E27FC236}">
-                <a16:creationId xmlns:a16="http://schemas.microsoft.com/office/drawing/2014/main" id="{7F64CFF1-413D-AA43-B944-A25486961B2B}"/>
-              </a:ext>
-            </a:extLst>
-          </p:cNvPr>
+          <p:cNvPr id="4" name="Slide Number Placeholder 3"/>
           <p:cNvSpPr>
             <a:spLocks noGrp="1"/>
           </p:cNvSpPr>
@@ -2127,7 +1867,7 @@
     </p:spTree>
     <p:extLst>
       <p:ext uri="{BB962C8B-B14F-4D97-AF65-F5344CB8AC3E}">
-        <p14:creationId xmlns:p14="http://schemas.microsoft.com/office/powerpoint/2010/main" val="176758016"/>
+        <p14:creationId xmlns:p14="http://schemas.microsoft.com/office/powerpoint/2010/main" val="1720834337"/>
       </p:ext>
     </p:extLst>
   </p:cSld>
@@ -2156,13 +1896,7 @@
       </p:grpSpPr>
       <p:sp>
         <p:nvSpPr>
-          <p:cNvPr id="2" name="Title 1">
-            <a:extLst>
-              <a:ext uri="{FF2B5EF4-FFF2-40B4-BE49-F238E27FC236}">
-                <a16:creationId xmlns:a16="http://schemas.microsoft.com/office/drawing/2014/main" id="{E18E7B01-53E2-704A-96DE-4D79DE8200B6}"/>
-              </a:ext>
-            </a:extLst>
-          </p:cNvPr>
+          <p:cNvPr id="2" name="Title 1"/>
           <p:cNvSpPr>
             <a:spLocks noGrp="1"/>
           </p:cNvSpPr>
@@ -2172,8 +1906,8 @@
         </p:nvSpPr>
         <p:spPr>
           <a:xfrm>
-            <a:off x="839788" y="457200"/>
-            <a:ext cx="3932237" cy="1600200"/>
+            <a:off x="944762" y="457200"/>
+            <a:ext cx="4423767" cy="1600200"/>
           </a:xfrm>
         </p:spPr>
         <p:txBody>
@@ -2188,18 +1922,13 @@
               <a:rPr lang="en-US"/>
               <a:t>Click to edit Master title style</a:t>
             </a:r>
-          </a:p>
-        </p:txBody>
-      </p:sp>
-      <p:sp>
-        <p:nvSpPr>
-          <p:cNvPr id="3" name="Content Placeholder 2">
-            <a:extLst>
-              <a:ext uri="{FF2B5EF4-FFF2-40B4-BE49-F238E27FC236}">
-                <a16:creationId xmlns:a16="http://schemas.microsoft.com/office/drawing/2014/main" id="{D8F88787-F8E2-E947-AABC-78D0B0C9A08C}"/>
-              </a:ext>
-            </a:extLst>
-          </p:cNvPr>
+            <a:endParaRPr lang="en-US" dirty="0"/>
+          </a:p>
+        </p:txBody>
+      </p:sp>
+      <p:sp>
+        <p:nvSpPr>
+          <p:cNvPr id="3" name="Content Placeholder 2"/>
           <p:cNvSpPr>
             <a:spLocks noGrp="1"/>
           </p:cNvSpPr>
@@ -2209,8 +1938,8 @@
         </p:nvSpPr>
         <p:spPr>
           <a:xfrm>
-            <a:off x="5183188" y="987425"/>
-            <a:ext cx="6172200" cy="4873625"/>
+            <a:off x="5831087" y="987426"/>
+            <a:ext cx="6943725" cy="4873625"/>
           </a:xfrm>
         </p:spPr>
         <p:txBody>
@@ -2278,18 +2007,13 @@
               <a:rPr lang="en-US"/>
               <a:t>Fifth level</a:t>
             </a:r>
-          </a:p>
-        </p:txBody>
-      </p:sp>
-      <p:sp>
-        <p:nvSpPr>
-          <p:cNvPr id="4" name="Text Placeholder 3">
-            <a:extLst>
-              <a:ext uri="{FF2B5EF4-FFF2-40B4-BE49-F238E27FC236}">
-                <a16:creationId xmlns:a16="http://schemas.microsoft.com/office/drawing/2014/main" id="{68BEA84B-6391-AA44-A999-DB303E6A133C}"/>
-              </a:ext>
-            </a:extLst>
-          </p:cNvPr>
+            <a:endParaRPr lang="en-US" dirty="0"/>
+          </a:p>
+        </p:txBody>
+      </p:sp>
+      <p:sp>
+        <p:nvSpPr>
+          <p:cNvPr id="4" name="Text Placeholder 3"/>
           <p:cNvSpPr>
             <a:spLocks noGrp="1"/>
           </p:cNvSpPr>
@@ -2299,8 +2023,8 @@
         </p:nvSpPr>
         <p:spPr>
           <a:xfrm>
-            <a:off x="839788" y="2057400"/>
-            <a:ext cx="3932237" cy="3811588"/>
+            <a:off x="944762" y="2057400"/>
+            <a:ext cx="4423767" cy="3811588"/>
           </a:xfrm>
         </p:spPr>
         <p:txBody>
@@ -2354,13 +2078,7 @@
       </p:sp>
       <p:sp>
         <p:nvSpPr>
-          <p:cNvPr id="5" name="Date Placeholder 4">
-            <a:extLst>
-              <a:ext uri="{FF2B5EF4-FFF2-40B4-BE49-F238E27FC236}">
-                <a16:creationId xmlns:a16="http://schemas.microsoft.com/office/drawing/2014/main" id="{60B5E552-A1F2-2346-B52E-76458742309E}"/>
-              </a:ext>
-            </a:extLst>
-          </p:cNvPr>
+          <p:cNvPr id="5" name="Date Placeholder 4"/>
           <p:cNvSpPr>
             <a:spLocks noGrp="1"/>
           </p:cNvSpPr>
@@ -2383,13 +2101,7 @@
       </p:sp>
       <p:sp>
         <p:nvSpPr>
-          <p:cNvPr id="6" name="Footer Placeholder 5">
-            <a:extLst>
-              <a:ext uri="{FF2B5EF4-FFF2-40B4-BE49-F238E27FC236}">
-                <a16:creationId xmlns:a16="http://schemas.microsoft.com/office/drawing/2014/main" id="{3A84CA63-6A78-1041-8D13-5F7B3FE95498}"/>
-              </a:ext>
-            </a:extLst>
-          </p:cNvPr>
+          <p:cNvPr id="6" name="Footer Placeholder 5"/>
           <p:cNvSpPr>
             <a:spLocks noGrp="1"/>
           </p:cNvSpPr>
@@ -2408,13 +2120,7 @@
       </p:sp>
       <p:sp>
         <p:nvSpPr>
-          <p:cNvPr id="7" name="Slide Number Placeholder 6">
-            <a:extLst>
-              <a:ext uri="{FF2B5EF4-FFF2-40B4-BE49-F238E27FC236}">
-                <a16:creationId xmlns:a16="http://schemas.microsoft.com/office/drawing/2014/main" id="{16BBD0DF-FC2B-E44A-886D-599F49812A10}"/>
-              </a:ext>
-            </a:extLst>
-          </p:cNvPr>
+          <p:cNvPr id="7" name="Slide Number Placeholder 6"/>
           <p:cNvSpPr>
             <a:spLocks noGrp="1"/>
           </p:cNvSpPr>
@@ -2438,7 +2144,7 @@
     </p:spTree>
     <p:extLst>
       <p:ext uri="{BB962C8B-B14F-4D97-AF65-F5344CB8AC3E}">
-        <p14:creationId xmlns:p14="http://schemas.microsoft.com/office/powerpoint/2010/main" val="425691496"/>
+        <p14:creationId xmlns:p14="http://schemas.microsoft.com/office/powerpoint/2010/main" val="3405766066"/>
       </p:ext>
     </p:extLst>
   </p:cSld>
@@ -2467,13 +2173,7 @@
       </p:grpSpPr>
       <p:sp>
         <p:nvSpPr>
-          <p:cNvPr id="2" name="Title 1">
-            <a:extLst>
-              <a:ext uri="{FF2B5EF4-FFF2-40B4-BE49-F238E27FC236}">
-                <a16:creationId xmlns:a16="http://schemas.microsoft.com/office/drawing/2014/main" id="{633CC032-D0E2-CA4A-8D45-1FB0CE3F70A3}"/>
-              </a:ext>
-            </a:extLst>
-          </p:cNvPr>
+          <p:cNvPr id="2" name="Title 1"/>
           <p:cNvSpPr>
             <a:spLocks noGrp="1"/>
           </p:cNvSpPr>
@@ -2483,8 +2183,8 @@
         </p:nvSpPr>
         <p:spPr>
           <a:xfrm>
-            <a:off x="839788" y="457200"/>
-            <a:ext cx="3932237" cy="1600200"/>
+            <a:off x="944762" y="457200"/>
+            <a:ext cx="4423767" cy="1600200"/>
           </a:xfrm>
         </p:spPr>
         <p:txBody>
@@ -2499,20 +2199,15 @@
               <a:rPr lang="en-US"/>
               <a:t>Click to edit Master title style</a:t>
             </a:r>
-          </a:p>
-        </p:txBody>
-      </p:sp>
-      <p:sp>
-        <p:nvSpPr>
-          <p:cNvPr id="3" name="Picture Placeholder 2">
-            <a:extLst>
-              <a:ext uri="{FF2B5EF4-FFF2-40B4-BE49-F238E27FC236}">
-                <a16:creationId xmlns:a16="http://schemas.microsoft.com/office/drawing/2014/main" id="{1394A857-67EF-274A-9194-6F2AFDAB0A21}"/>
-              </a:ext>
-            </a:extLst>
-          </p:cNvPr>
-          <p:cNvSpPr>
-            <a:spLocks noGrp="1"/>
+            <a:endParaRPr lang="en-US" dirty="0"/>
+          </a:p>
+        </p:txBody>
+      </p:sp>
+      <p:sp>
+        <p:nvSpPr>
+          <p:cNvPr id="3" name="Picture Placeholder 2"/>
+          <p:cNvSpPr>
+            <a:spLocks noGrp="1" noChangeAspect="1"/>
           </p:cNvSpPr>
           <p:nvPr>
             <p:ph type="pic" idx="1"/>
@@ -2520,12 +2215,12 @@
         </p:nvSpPr>
         <p:spPr>
           <a:xfrm>
-            <a:off x="5183188" y="987425"/>
-            <a:ext cx="6172200" cy="4873625"/>
+            <a:off x="5831087" y="987426"/>
+            <a:ext cx="6943725" cy="4873625"/>
           </a:xfrm>
         </p:spPr>
         <p:txBody>
-          <a:bodyPr/>
+          <a:bodyPr anchor="t"/>
           <a:lstStyle>
             <a:lvl1pPr marL="0" indent="0">
               <a:buNone/>
@@ -2565,19 +2260,17 @@
             </a:lvl9pPr>
           </a:lstStyle>
           <a:p>
-            <a:endParaRPr lang="en-US"/>
-          </a:p>
-        </p:txBody>
-      </p:sp>
-      <p:sp>
-        <p:nvSpPr>
-          <p:cNvPr id="4" name="Text Placeholder 3">
-            <a:extLst>
-              <a:ext uri="{FF2B5EF4-FFF2-40B4-BE49-F238E27FC236}">
-                <a16:creationId xmlns:a16="http://schemas.microsoft.com/office/drawing/2014/main" id="{0503B27C-76C8-884A-9345-9E1842C178C9}"/>
-              </a:ext>
-            </a:extLst>
-          </p:cNvPr>
+            <a:r>
+              <a:rPr lang="en-US"/>
+              <a:t>Click icon to add picture</a:t>
+            </a:r>
+            <a:endParaRPr lang="en-US" dirty="0"/>
+          </a:p>
+        </p:txBody>
+      </p:sp>
+      <p:sp>
+        <p:nvSpPr>
+          <p:cNvPr id="4" name="Text Placeholder 3"/>
           <p:cNvSpPr>
             <a:spLocks noGrp="1"/>
           </p:cNvSpPr>
@@ -2587,8 +2280,8 @@
         </p:nvSpPr>
         <p:spPr>
           <a:xfrm>
-            <a:off x="839788" y="2057400"/>
-            <a:ext cx="3932237" cy="3811588"/>
+            <a:off x="944762" y="2057400"/>
+            <a:ext cx="4423767" cy="3811588"/>
           </a:xfrm>
         </p:spPr>
         <p:txBody>
@@ -2642,13 +2335,7 @@
       </p:sp>
       <p:sp>
         <p:nvSpPr>
-          <p:cNvPr id="5" name="Date Placeholder 4">
-            <a:extLst>
-              <a:ext uri="{FF2B5EF4-FFF2-40B4-BE49-F238E27FC236}">
-                <a16:creationId xmlns:a16="http://schemas.microsoft.com/office/drawing/2014/main" id="{C6D65E16-DFED-9B43-AD04-16CDF4BD44BF}"/>
-              </a:ext>
-            </a:extLst>
-          </p:cNvPr>
+          <p:cNvPr id="5" name="Date Placeholder 4"/>
           <p:cNvSpPr>
             <a:spLocks noGrp="1"/>
           </p:cNvSpPr>
@@ -2671,13 +2358,7 @@
       </p:sp>
       <p:sp>
         <p:nvSpPr>
-          <p:cNvPr id="6" name="Footer Placeholder 5">
-            <a:extLst>
-              <a:ext uri="{FF2B5EF4-FFF2-40B4-BE49-F238E27FC236}">
-                <a16:creationId xmlns:a16="http://schemas.microsoft.com/office/drawing/2014/main" id="{37C85E3C-8B82-9F41-9522-F5F4DF81C605}"/>
-              </a:ext>
-            </a:extLst>
-          </p:cNvPr>
+          <p:cNvPr id="6" name="Footer Placeholder 5"/>
           <p:cNvSpPr>
             <a:spLocks noGrp="1"/>
           </p:cNvSpPr>
@@ -2696,13 +2377,7 @@
       </p:sp>
       <p:sp>
         <p:nvSpPr>
-          <p:cNvPr id="7" name="Slide Number Placeholder 6">
-            <a:extLst>
-              <a:ext uri="{FF2B5EF4-FFF2-40B4-BE49-F238E27FC236}">
-                <a16:creationId xmlns:a16="http://schemas.microsoft.com/office/drawing/2014/main" id="{B3F1A743-3FB0-AE48-BA3E-4CEFFD79671B}"/>
-              </a:ext>
-            </a:extLst>
-          </p:cNvPr>
+          <p:cNvPr id="7" name="Slide Number Placeholder 6"/>
           <p:cNvSpPr>
             <a:spLocks noGrp="1"/>
           </p:cNvSpPr>
@@ -2726,7 +2401,7 @@
     </p:spTree>
     <p:extLst>
       <p:ext uri="{BB962C8B-B14F-4D97-AF65-F5344CB8AC3E}">
-        <p14:creationId xmlns:p14="http://schemas.microsoft.com/office/powerpoint/2010/main" val="3844239028"/>
+        <p14:creationId xmlns:p14="http://schemas.microsoft.com/office/powerpoint/2010/main" val="4114787470"/>
       </p:ext>
     </p:extLst>
   </p:cSld>
@@ -2760,13 +2435,7 @@
       </p:grpSpPr>
       <p:sp>
         <p:nvSpPr>
-          <p:cNvPr id="2" name="Title Placeholder 1">
-            <a:extLst>
-              <a:ext uri="{FF2B5EF4-FFF2-40B4-BE49-F238E27FC236}">
-                <a16:creationId xmlns:a16="http://schemas.microsoft.com/office/drawing/2014/main" id="{F2C5AF01-0218-8741-811C-51AA39828D06}"/>
-              </a:ext>
-            </a:extLst>
-          </p:cNvPr>
+          <p:cNvPr id="2" name="Title Placeholder 1"/>
           <p:cNvSpPr>
             <a:spLocks noGrp="1"/>
           </p:cNvSpPr>
@@ -2776,8 +2445,8 @@
         </p:nvSpPr>
         <p:spPr>
           <a:xfrm>
-            <a:off x="838200" y="365125"/>
-            <a:ext cx="10515600" cy="1325563"/>
+            <a:off x="942975" y="365126"/>
+            <a:ext cx="11830050" cy="1325563"/>
           </a:xfrm>
           <a:prstGeom prst="rect">
             <a:avLst/>
@@ -2793,18 +2462,13 @@
               <a:rPr lang="en-US"/>
               <a:t>Click to edit Master title style</a:t>
             </a:r>
-          </a:p>
-        </p:txBody>
-      </p:sp>
-      <p:sp>
-        <p:nvSpPr>
-          <p:cNvPr id="3" name="Text Placeholder 2">
-            <a:extLst>
-              <a:ext uri="{FF2B5EF4-FFF2-40B4-BE49-F238E27FC236}">
-                <a16:creationId xmlns:a16="http://schemas.microsoft.com/office/drawing/2014/main" id="{E94AA9F4-9DBE-A84D-823F-E8D1399E2A03}"/>
-              </a:ext>
-            </a:extLst>
-          </p:cNvPr>
+            <a:endParaRPr lang="en-US" dirty="0"/>
+          </a:p>
+        </p:txBody>
+      </p:sp>
+      <p:sp>
+        <p:nvSpPr>
+          <p:cNvPr id="3" name="Text Placeholder 2"/>
           <p:cNvSpPr>
             <a:spLocks noGrp="1"/>
           </p:cNvSpPr>
@@ -2814,8 +2478,8 @@
         </p:nvSpPr>
         <p:spPr>
           <a:xfrm>
-            <a:off x="838200" y="1825625"/>
-            <a:ext cx="10515600" cy="4351338"/>
+            <a:off x="942975" y="1825625"/>
+            <a:ext cx="11830050" cy="4351338"/>
           </a:xfrm>
           <a:prstGeom prst="rect">
             <a:avLst/>
@@ -2860,18 +2524,13 @@
               <a:rPr lang="en-US"/>
               <a:t>Fifth level</a:t>
             </a:r>
-          </a:p>
-        </p:txBody>
-      </p:sp>
-      <p:sp>
-        <p:nvSpPr>
-          <p:cNvPr id="4" name="Date Placeholder 3">
-            <a:extLst>
-              <a:ext uri="{FF2B5EF4-FFF2-40B4-BE49-F238E27FC236}">
-                <a16:creationId xmlns:a16="http://schemas.microsoft.com/office/drawing/2014/main" id="{966B9010-18F1-D243-942B-DFF544D0CB35}"/>
-              </a:ext>
-            </a:extLst>
-          </p:cNvPr>
+            <a:endParaRPr lang="en-US" dirty="0"/>
+          </a:p>
+        </p:txBody>
+      </p:sp>
+      <p:sp>
+        <p:nvSpPr>
+          <p:cNvPr id="4" name="Date Placeholder 3"/>
           <p:cNvSpPr>
             <a:spLocks noGrp="1"/>
           </p:cNvSpPr>
@@ -2881,8 +2540,8 @@
         </p:nvSpPr>
         <p:spPr>
           <a:xfrm>
-            <a:off x="838200" y="6356350"/>
-            <a:ext cx="2743200" cy="365125"/>
+            <a:off x="942975" y="6356351"/>
+            <a:ext cx="3086100" cy="365125"/>
           </a:xfrm>
           <a:prstGeom prst="rect">
             <a:avLst/>
@@ -2912,13 +2571,7 @@
       </p:sp>
       <p:sp>
         <p:nvSpPr>
-          <p:cNvPr id="5" name="Footer Placeholder 4">
-            <a:extLst>
-              <a:ext uri="{FF2B5EF4-FFF2-40B4-BE49-F238E27FC236}">
-                <a16:creationId xmlns:a16="http://schemas.microsoft.com/office/drawing/2014/main" id="{91EB010D-23B8-5C45-8B09-4ADACAEEAFEC}"/>
-              </a:ext>
-            </a:extLst>
-          </p:cNvPr>
+          <p:cNvPr id="5" name="Footer Placeholder 4"/>
           <p:cNvSpPr>
             <a:spLocks noGrp="1"/>
           </p:cNvSpPr>
@@ -2928,8 +2581,8 @@
         </p:nvSpPr>
         <p:spPr>
           <a:xfrm>
-            <a:off x="4038600" y="6356350"/>
-            <a:ext cx="4114800" cy="365125"/>
+            <a:off x="4543425" y="6356351"/>
+            <a:ext cx="4629150" cy="365125"/>
           </a:xfrm>
           <a:prstGeom prst="rect">
             <a:avLst/>
@@ -2955,13 +2608,7 @@
       </p:sp>
       <p:sp>
         <p:nvSpPr>
-          <p:cNvPr id="6" name="Slide Number Placeholder 5">
-            <a:extLst>
-              <a:ext uri="{FF2B5EF4-FFF2-40B4-BE49-F238E27FC236}">
-                <a16:creationId xmlns:a16="http://schemas.microsoft.com/office/drawing/2014/main" id="{95932963-11A2-8343-A2C4-404571F57A93}"/>
-              </a:ext>
-            </a:extLst>
-          </p:cNvPr>
+          <p:cNvPr id="6" name="Slide Number Placeholder 5"/>
           <p:cNvSpPr>
             <a:spLocks noGrp="1"/>
           </p:cNvSpPr>
@@ -2971,8 +2618,8 @@
         </p:nvSpPr>
         <p:spPr>
           <a:xfrm>
-            <a:off x="8610600" y="6356350"/>
-            <a:ext cx="2743200" cy="365125"/>
+            <a:off x="9686925" y="6356351"/>
+            <a:ext cx="3086100" cy="365125"/>
           </a:xfrm>
           <a:prstGeom prst="rect">
             <a:avLst/>
@@ -3003,23 +2650,23 @@
     </p:spTree>
     <p:extLst>
       <p:ext uri="{BB962C8B-B14F-4D97-AF65-F5344CB8AC3E}">
-        <p14:creationId xmlns:p14="http://schemas.microsoft.com/office/powerpoint/2010/main" val="654383705"/>
+        <p14:creationId xmlns:p14="http://schemas.microsoft.com/office/powerpoint/2010/main" val="2387355272"/>
       </p:ext>
     </p:extLst>
   </p:cSld>
   <p:clrMap bg1="lt1" tx1="dk1" bg2="lt2" tx2="dk2" accent1="accent1" accent2="accent2" accent3="accent3" accent4="accent4" accent5="accent5" accent6="accent6" hlink="hlink" folHlink="folHlink"/>
   <p:sldLayoutIdLst>
-    <p:sldLayoutId id="2147483649" r:id="rId1"/>
-    <p:sldLayoutId id="2147483650" r:id="rId2"/>
-    <p:sldLayoutId id="2147483651" r:id="rId3"/>
-    <p:sldLayoutId id="2147483652" r:id="rId4"/>
-    <p:sldLayoutId id="2147483653" r:id="rId5"/>
-    <p:sldLayoutId id="2147483654" r:id="rId6"/>
-    <p:sldLayoutId id="2147483655" r:id="rId7"/>
-    <p:sldLayoutId id="2147483656" r:id="rId8"/>
-    <p:sldLayoutId id="2147483657" r:id="rId9"/>
-    <p:sldLayoutId id="2147483658" r:id="rId10"/>
-    <p:sldLayoutId id="2147483659" r:id="rId11"/>
+    <p:sldLayoutId id="2147483661" r:id="rId1"/>
+    <p:sldLayoutId id="2147483662" r:id="rId2"/>
+    <p:sldLayoutId id="2147483663" r:id="rId3"/>
+    <p:sldLayoutId id="2147483664" r:id="rId4"/>
+    <p:sldLayoutId id="2147483665" r:id="rId5"/>
+    <p:sldLayoutId id="2147483666" r:id="rId6"/>
+    <p:sldLayoutId id="2147483667" r:id="rId7"/>
+    <p:sldLayoutId id="2147483668" r:id="rId8"/>
+    <p:sldLayoutId id="2147483669" r:id="rId9"/>
+    <p:sldLayoutId id="2147483670" r:id="rId10"/>
+    <p:sldLayoutId id="2147483671" r:id="rId11"/>
   </p:sldLayoutIdLst>
   <p:txStyles>
     <p:titleStyle>
@@ -3343,13 +2990,13 @@
         </p:blipFill>
         <p:spPr>
           <a:xfrm>
-            <a:off x="1884951" y="3999593"/>
-            <a:ext cx="8139067" cy="2520950"/>
+            <a:off x="326324" y="3179941"/>
+            <a:ext cx="11571587" cy="3584120"/>
           </a:xfrm>
           <a:prstGeom prst="rect">
             <a:avLst/>
           </a:prstGeom>
-          <a:ln>
+          <a:ln w="12700">
             <a:solidFill>
               <a:schemeClr val="tx1"/>
             </a:solidFill>
@@ -3358,10 +3005,10 @@
       </p:pic>
       <p:sp>
         <p:nvSpPr>
-          <p:cNvPr id="12" name="Right Arrow 11">
+          <p:cNvPr id="29" name="Right Arrow 28">
             <a:extLst>
               <a:ext uri="{FF2B5EF4-FFF2-40B4-BE49-F238E27FC236}">
-                <a16:creationId xmlns:a16="http://schemas.microsoft.com/office/drawing/2014/main" id="{23230D94-BB3F-B54A-9103-19549E39B43C}"/>
+                <a16:creationId xmlns:a16="http://schemas.microsoft.com/office/drawing/2014/main" id="{77F04541-843E-6741-B6F0-4A8EC49192F6}"/>
               </a:ext>
             </a:extLst>
           </p:cNvPr>
@@ -3369,17 +3016,20 @@
           <p:nvPr/>
         </p:nvSpPr>
         <p:spPr>
-          <a:xfrm rot="4094545">
-            <a:off x="1228232" y="3528704"/>
-            <a:ext cx="1558383" cy="499587"/>
+          <a:xfrm rot="5400000">
+            <a:off x="-534778" y="2293142"/>
+            <a:ext cx="2683831" cy="499587"/>
           </a:xfrm>
           <a:prstGeom prst="rightArrow">
             <a:avLst/>
           </a:prstGeom>
           <a:solidFill>
-            <a:schemeClr val="bg1"/>
+            <a:schemeClr val="accent2">
+              <a:lumMod val="40000"/>
+              <a:lumOff val="60000"/>
+            </a:schemeClr>
           </a:solidFill>
-          <a:ln>
+          <a:ln w="12700">
             <a:solidFill>
               <a:schemeClr val="tx1"/>
             </a:solidFill>
@@ -3406,7 +3056,7 @@
           <a:lstStyle/>
           <a:p>
             <a:pPr algn="ctr"/>
-            <a:endParaRPr lang="en-US"/>
+            <a:endParaRPr lang="en-US" b="1"/>
           </a:p>
         </p:txBody>
       </p:sp>
@@ -3424,16 +3074,19 @@
         </p:nvSpPr>
         <p:spPr>
           <a:xfrm>
-            <a:off x="648549" y="1447431"/>
-            <a:ext cx="1641367" cy="2308324"/>
+            <a:off x="91385" y="124883"/>
+            <a:ext cx="2965778" cy="1200329"/>
           </a:xfrm>
           <a:prstGeom prst="rect">
             <a:avLst/>
           </a:prstGeom>
           <a:solidFill>
-            <a:schemeClr val="bg1"/>
+            <a:schemeClr val="accent2">
+              <a:lumMod val="40000"/>
+              <a:lumOff val="60000"/>
+            </a:schemeClr>
           </a:solidFill>
-          <a:ln>
+          <a:ln w="12700">
             <a:solidFill>
               <a:schemeClr val="tx1"/>
             </a:solidFill>
@@ -3447,46 +3100,34 @@
           <a:p>
             <a:pPr algn="ctr"/>
             <a:r>
-              <a:rPr lang="en-US" dirty="0">
-                <a:solidFill>
-                  <a:schemeClr val="tx1"/>
-                </a:solidFill>
+              <a:rPr lang="en-US" b="1" dirty="0">
                 <a:latin typeface="Bell Centennial Address" panose="020B0500000000000000" pitchFamily="34" charset="0"/>
               </a:rPr>
-              <a:t>What does the column “lake</a:t>
-            </a:r>
-            <a:r>
-              <a:rPr lang="en-US" dirty="0">
-                <a:latin typeface="Bell Centennial Address" panose="020B0500000000000000" pitchFamily="34" charset="0"/>
-              </a:rPr>
-              <a:t>”</a:t>
-            </a:r>
-            <a:r>
-              <a:rPr lang="en-US" dirty="0">
-                <a:solidFill>
-                  <a:schemeClr val="tx1"/>
-                </a:solidFill>
-                <a:latin typeface="Bell Centennial Address" panose="020B0500000000000000" pitchFamily="34" charset="0"/>
-              </a:rPr>
-              <a:t> contain? It contains information about the identity (ID) of our </a:t>
-            </a:r>
-            <a:r>
-              <a:rPr lang="en-US" u="sng" dirty="0">
-                <a:solidFill>
-                  <a:schemeClr val="tx1"/>
-                </a:solidFill>
+              <a:t>What does the column “lake” contain? It contains information about the identity (ID) of our </a:t>
+            </a:r>
+            <a:r>
+              <a:rPr lang="en-US" b="1" u="sng" dirty="0">
                 <a:latin typeface="Bell Centennial Address" panose="020B0500000000000000" pitchFamily="34" charset="0"/>
               </a:rPr>
               <a:t>samples</a:t>
             </a:r>
             <a:r>
-              <a:rPr lang="en-US" dirty="0">
-                <a:solidFill>
-                  <a:schemeClr val="tx1"/>
-                </a:solidFill>
+              <a:rPr lang="en-US" b="1" dirty="0">
                 <a:latin typeface="Bell Centennial Address" panose="020B0500000000000000" pitchFamily="34" charset="0"/>
               </a:rPr>
-              <a:t>.</a:t>
+              <a:t> (i.e. “</a:t>
+            </a:r>
+            <a:r>
+              <a:rPr lang="en-US" b="1" dirty="0" err="1">
+                <a:latin typeface="Bell Centennial Address" panose="020B0500000000000000" pitchFamily="34" charset="0"/>
+              </a:rPr>
+              <a:t>sample_ID_info</a:t>
+            </a:r>
+            <a:r>
+              <a:rPr lang="en-US" b="1" dirty="0">
+                <a:latin typeface="Bell Centennial Address" panose="020B0500000000000000" pitchFamily="34" charset="0"/>
+              </a:rPr>
+              <a:t>”)</a:t>
             </a:r>
           </a:p>
         </p:txBody>
@@ -3504,17 +3145,20 @@
           <p:nvPr/>
         </p:nvSpPr>
         <p:spPr>
-          <a:xfrm rot="3199188">
-            <a:off x="2975163" y="3615860"/>
-            <a:ext cx="1558383" cy="499587"/>
+          <a:xfrm rot="4049728">
+            <a:off x="2210692" y="2564081"/>
+            <a:ext cx="2294281" cy="499587"/>
           </a:xfrm>
           <a:prstGeom prst="rightArrow">
             <a:avLst/>
           </a:prstGeom>
           <a:solidFill>
-            <a:schemeClr val="bg1"/>
+            <a:schemeClr val="accent2">
+              <a:lumMod val="40000"/>
+              <a:lumOff val="60000"/>
+            </a:schemeClr>
           </a:solidFill>
-          <a:ln>
+          <a:ln w="12700">
             <a:solidFill>
               <a:schemeClr val="tx1"/>
             </a:solidFill>
@@ -3541,7 +3185,7 @@
           <a:lstStyle/>
           <a:p>
             <a:pPr algn="ctr"/>
-            <a:endParaRPr lang="en-US"/>
+            <a:endParaRPr lang="en-US" b="1"/>
           </a:p>
         </p:txBody>
       </p:sp>
@@ -3559,16 +3203,19 @@
         </p:nvSpPr>
         <p:spPr>
           <a:xfrm>
-            <a:off x="2354795" y="1447431"/>
-            <a:ext cx="1641367" cy="2308324"/>
+            <a:off x="1101147" y="1455135"/>
+            <a:ext cx="2567557" cy="1477328"/>
           </a:xfrm>
           <a:prstGeom prst="rect">
             <a:avLst/>
           </a:prstGeom>
           <a:solidFill>
-            <a:schemeClr val="bg1"/>
+            <a:schemeClr val="accent2">
+              <a:lumMod val="40000"/>
+              <a:lumOff val="60000"/>
+            </a:schemeClr>
           </a:solidFill>
-          <a:ln>
+          <a:ln w="12700">
             <a:solidFill>
               <a:schemeClr val="tx1"/>
             </a:solidFill>
@@ -3582,31 +3229,34 @@
           <a:p>
             <a:pPr algn="ctr"/>
             <a:r>
-              <a:rPr lang="en-US" dirty="0">
-                <a:solidFill>
-                  <a:schemeClr val="tx1"/>
-                </a:solidFill>
+              <a:rPr lang="en-US" b="1" dirty="0">
                 <a:latin typeface="Bell Centennial Address" panose="020B0500000000000000" pitchFamily="34" charset="0"/>
               </a:rPr>
               <a:t>What does the column “park” contain? It contains information about the identity (ID) of our </a:t>
             </a:r>
             <a:r>
-              <a:rPr lang="en-US" u="sng" dirty="0">
-                <a:solidFill>
-                  <a:schemeClr val="tx1"/>
-                </a:solidFill>
+              <a:rPr lang="en-US" b="1" u="sng" dirty="0">
                 <a:latin typeface="Bell Centennial Address" panose="020B0500000000000000" pitchFamily="34" charset="0"/>
               </a:rPr>
               <a:t>samples</a:t>
             </a:r>
             <a:r>
-              <a:rPr lang="en-US" dirty="0">
-                <a:solidFill>
-                  <a:schemeClr val="tx1"/>
-                </a:solidFill>
+              <a:rPr lang="en-US" b="1" dirty="0">
                 <a:latin typeface="Bell Centennial Address" panose="020B0500000000000000" pitchFamily="34" charset="0"/>
               </a:rPr>
-              <a:t>.</a:t>
+              <a:t> (i.e. “</a:t>
+            </a:r>
+            <a:r>
+              <a:rPr lang="en-US" b="1" dirty="0" err="1">
+                <a:latin typeface="Bell Centennial Address" panose="020B0500000000000000" pitchFamily="34" charset="0"/>
+              </a:rPr>
+              <a:t>sample_ID_info</a:t>
+            </a:r>
+            <a:r>
+              <a:rPr lang="en-US" b="1" dirty="0">
+                <a:latin typeface="Bell Centennial Address" panose="020B0500000000000000" pitchFamily="34" charset="0"/>
+              </a:rPr>
+              <a:t>”)</a:t>
             </a:r>
           </a:p>
         </p:txBody>
@@ -3624,17 +3274,20 @@
           <p:nvPr/>
         </p:nvSpPr>
         <p:spPr>
-          <a:xfrm rot="5974039">
-            <a:off x="4578007" y="3413345"/>
-            <a:ext cx="1558383" cy="499587"/>
+          <a:xfrm rot="4414051">
+            <a:off x="2672924" y="2046236"/>
+            <a:ext cx="3205139" cy="499587"/>
           </a:xfrm>
           <a:prstGeom prst="rightArrow">
             <a:avLst/>
           </a:prstGeom>
           <a:solidFill>
-            <a:schemeClr val="bg1"/>
+            <a:schemeClr val="accent4">
+              <a:lumMod val="40000"/>
+              <a:lumOff val="60000"/>
+            </a:schemeClr>
           </a:solidFill>
-          <a:ln>
+          <a:ln w="12700">
             <a:solidFill>
               <a:schemeClr val="tx1"/>
             </a:solidFill>
@@ -3661,7 +3314,7 @@
           <a:lstStyle/>
           <a:p>
             <a:pPr algn="ctr"/>
-            <a:endParaRPr lang="en-US"/>
+            <a:endParaRPr lang="en-US" b="1"/>
           </a:p>
         </p:txBody>
       </p:sp>
@@ -3679,16 +3332,19 @@
         </p:nvSpPr>
         <p:spPr>
           <a:xfrm>
-            <a:off x="4061041" y="1470173"/>
-            <a:ext cx="1668102" cy="2031325"/>
+            <a:off x="3279282" y="112579"/>
+            <a:ext cx="3386282" cy="1200329"/>
           </a:xfrm>
           <a:prstGeom prst="rect">
             <a:avLst/>
           </a:prstGeom>
           <a:solidFill>
-            <a:schemeClr val="bg1"/>
+            <a:schemeClr val="accent4">
+              <a:lumMod val="40000"/>
+              <a:lumOff val="60000"/>
+            </a:schemeClr>
           </a:solidFill>
-          <a:ln>
+          <a:ln w="12700">
             <a:solidFill>
               <a:schemeClr val="tx1"/>
             </a:solidFill>
@@ -3702,55 +3358,46 @@
           <a:p>
             <a:pPr algn="ctr"/>
             <a:r>
-              <a:rPr lang="en-US" dirty="0">
-                <a:solidFill>
-                  <a:schemeClr val="tx1"/>
-                </a:solidFill>
+              <a:rPr lang="en-US" b="1" dirty="0">
                 <a:latin typeface="Bell Centennial Address" panose="020B0500000000000000" pitchFamily="34" charset="0"/>
               </a:rPr>
               <a:t>What does the column “</a:t>
             </a:r>
             <a:r>
-              <a:rPr lang="en-US" dirty="0" err="1">
-                <a:solidFill>
-                  <a:schemeClr val="tx1"/>
-                </a:solidFill>
+              <a:rPr lang="en-US" b="1" dirty="0" err="1">
                 <a:latin typeface="Bell Centennial Address" panose="020B0500000000000000" pitchFamily="34" charset="0"/>
               </a:rPr>
               <a:t>water_temp</a:t>
             </a:r>
             <a:r>
-              <a:rPr lang="en-US" dirty="0">
+              <a:rPr lang="en-US" b="1" dirty="0">
+                <a:latin typeface="Bell Centennial Address" panose="020B0500000000000000" pitchFamily="34" charset="0"/>
+              </a:rPr>
+              <a:t>” contain? It contains VALUES for a SINGLE one of our </a:t>
+            </a:r>
+            <a:r>
+              <a:rPr lang="en-US" b="1" u="sng" dirty="0">
+                <a:latin typeface="Bell Centennial Address" panose="020B0500000000000000" pitchFamily="34" charset="0"/>
+              </a:rPr>
+              <a:t>analytes</a:t>
+            </a:r>
+            <a:r>
+              <a:rPr lang="en-US" b="1" dirty="0">
+                <a:latin typeface="Bell Centennial Address" panose="020B0500000000000000" pitchFamily="34" charset="0"/>
+              </a:rPr>
+              <a:t> (i.e. “</a:t>
+            </a:r>
+            <a:r>
+              <a:rPr lang="en-US" b="1" dirty="0" err="1">
+                <a:latin typeface="Bell Centennial Address" panose="020B0500000000000000" pitchFamily="34" charset="0"/>
+              </a:rPr>
+              <a:t>values_for_single_analyte</a:t>
+            </a:r>
+            <a:r>
+              <a:rPr lang="en-US" b="1" dirty="0">
                 <a:latin typeface="Bell Centennial Address" panose="020B0500000000000000" pitchFamily="34" charset="0"/>
               </a:rPr>
               <a:t>”</a:t>
-            </a:r>
-            <a:r>
-              <a:rPr lang="en-US" dirty="0">
-                <a:solidFill>
-                  <a:schemeClr val="tx1"/>
-                </a:solidFill>
-                <a:latin typeface="Bell Centennial Address" panose="020B0500000000000000" pitchFamily="34" charset="0"/>
-              </a:rPr>
-              <a:t> contain? It contains VALUES for a SINGLE one of our </a:t>
-            </a:r>
-            <a:r>
-              <a:rPr lang="en-US" u="sng" dirty="0">
-                <a:solidFill>
-                  <a:schemeClr val="tx1"/>
-                </a:solidFill>
-                <a:latin typeface="Bell Centennial Address" panose="020B0500000000000000" pitchFamily="34" charset="0"/>
-              </a:rPr>
-              <a:t>analytes</a:t>
-            </a:r>
-            <a:r>
-              <a:rPr lang="en-US" dirty="0">
-                <a:solidFill>
-                  <a:schemeClr val="tx1"/>
-                </a:solidFill>
-                <a:latin typeface="Bell Centennial Address" panose="020B0500000000000000" pitchFamily="34" charset="0"/>
-              </a:rPr>
-              <a:t>.</a:t>
             </a:r>
           </a:p>
         </p:txBody>
@@ -3768,17 +3415,20 @@
           <p:nvPr/>
         </p:nvSpPr>
         <p:spPr>
-          <a:xfrm rot="5974039">
-            <a:off x="5993401" y="3413345"/>
+          <a:xfrm rot="4631236">
+            <a:off x="6007900" y="2819871"/>
             <a:ext cx="1558383" cy="499587"/>
           </a:xfrm>
           <a:prstGeom prst="rightArrow">
             <a:avLst/>
           </a:prstGeom>
           <a:solidFill>
-            <a:schemeClr val="bg1"/>
+            <a:schemeClr val="accent4">
+              <a:lumMod val="40000"/>
+              <a:lumOff val="60000"/>
+            </a:schemeClr>
           </a:solidFill>
-          <a:ln>
+          <a:ln w="12700">
             <a:solidFill>
               <a:schemeClr val="tx1"/>
             </a:solidFill>
@@ -3805,7 +3455,7 @@
           <a:lstStyle/>
           <a:p>
             <a:pPr algn="ctr"/>
-            <a:endParaRPr lang="en-US"/>
+            <a:endParaRPr lang="en-US" b="1"/>
           </a:p>
         </p:txBody>
       </p:sp>
@@ -3823,16 +3473,19 @@
         </p:nvSpPr>
         <p:spPr>
           <a:xfrm>
-            <a:off x="5794022" y="1470173"/>
-            <a:ext cx="1434522" cy="2031325"/>
+            <a:off x="4760869" y="1539841"/>
+            <a:ext cx="2658029" cy="1477328"/>
           </a:xfrm>
           <a:prstGeom prst="rect">
             <a:avLst/>
           </a:prstGeom>
           <a:solidFill>
-            <a:schemeClr val="bg1"/>
+            <a:schemeClr val="accent4">
+              <a:lumMod val="40000"/>
+              <a:lumOff val="60000"/>
+            </a:schemeClr>
           </a:solidFill>
-          <a:ln>
+          <a:ln w="12700">
             <a:solidFill>
               <a:schemeClr val="tx1"/>
             </a:solidFill>
@@ -3846,31 +3499,34 @@
           <a:p>
             <a:pPr algn="ctr"/>
             <a:r>
-              <a:rPr lang="en-US" dirty="0">
-                <a:solidFill>
-                  <a:schemeClr val="tx1"/>
-                </a:solidFill>
+              <a:rPr lang="en-US" b="1" dirty="0">
                 <a:latin typeface="Bell Centennial Address" panose="020B0500000000000000" pitchFamily="34" charset="0"/>
               </a:rPr>
               <a:t>What does the column “pH” contain? It contains VALUES for a SINGLE one of our </a:t>
             </a:r>
             <a:r>
-              <a:rPr lang="en-US" u="sng" dirty="0">
-                <a:solidFill>
-                  <a:schemeClr val="tx1"/>
-                </a:solidFill>
+              <a:rPr lang="en-US" b="1" u="sng" dirty="0">
                 <a:latin typeface="Bell Centennial Address" panose="020B0500000000000000" pitchFamily="34" charset="0"/>
               </a:rPr>
               <a:t>analytes</a:t>
             </a:r>
             <a:r>
-              <a:rPr lang="en-US" dirty="0">
-                <a:solidFill>
-                  <a:schemeClr val="tx1"/>
-                </a:solidFill>
+              <a:rPr lang="en-US" b="1" dirty="0">
                 <a:latin typeface="Bell Centennial Address" panose="020B0500000000000000" pitchFamily="34" charset="0"/>
               </a:rPr>
-              <a:t>.</a:t>
+              <a:t> (i.e. “</a:t>
+            </a:r>
+            <a:r>
+              <a:rPr lang="en-US" b="1" dirty="0" err="1">
+                <a:latin typeface="Bell Centennial Address" panose="020B0500000000000000" pitchFamily="34" charset="0"/>
+              </a:rPr>
+              <a:t>values_for_single_analyte</a:t>
+            </a:r>
+            <a:r>
+              <a:rPr lang="en-US" b="1" dirty="0">
+                <a:latin typeface="Bell Centennial Address" panose="020B0500000000000000" pitchFamily="34" charset="0"/>
+              </a:rPr>
+              <a:t>”)</a:t>
             </a:r>
           </a:p>
         </p:txBody>
@@ -3888,17 +3544,20 @@
           <p:nvPr/>
         </p:nvSpPr>
         <p:spPr>
-          <a:xfrm rot="7099484">
-            <a:off x="6929358" y="3528704"/>
-            <a:ext cx="1558383" cy="499587"/>
+          <a:xfrm rot="5400000">
+            <a:off x="6338734" y="2271025"/>
+            <a:ext cx="2639596" cy="499587"/>
           </a:xfrm>
           <a:prstGeom prst="rightArrow">
             <a:avLst/>
           </a:prstGeom>
           <a:solidFill>
-            <a:schemeClr val="bg1"/>
+            <a:schemeClr val="accent5">
+              <a:lumMod val="40000"/>
+              <a:lumOff val="60000"/>
+            </a:schemeClr>
           </a:solidFill>
-          <a:ln>
+          <a:ln w="12700">
             <a:solidFill>
               <a:schemeClr val="tx1"/>
             </a:solidFill>
@@ -3925,7 +3584,7 @@
           <a:lstStyle/>
           <a:p>
             <a:pPr algn="ctr"/>
-            <a:endParaRPr lang="en-US"/>
+            <a:endParaRPr lang="en-US" b="1"/>
           </a:p>
         </p:txBody>
       </p:sp>
@@ -3943,16 +3602,19 @@
         </p:nvSpPr>
         <p:spPr>
           <a:xfrm>
-            <a:off x="7293423" y="1470173"/>
-            <a:ext cx="1321052" cy="2308324"/>
+            <a:off x="6920155" y="122693"/>
+            <a:ext cx="3065459" cy="1200329"/>
           </a:xfrm>
           <a:prstGeom prst="rect">
             <a:avLst/>
           </a:prstGeom>
           <a:solidFill>
-            <a:schemeClr val="bg1"/>
+            <a:schemeClr val="accent5">
+              <a:lumMod val="40000"/>
+              <a:lumOff val="60000"/>
+            </a:schemeClr>
           </a:solidFill>
-          <a:ln>
+          <a:ln w="12700">
             <a:solidFill>
               <a:schemeClr val="tx1"/>
             </a:solidFill>
@@ -3966,31 +3628,34 @@
           <a:p>
             <a:pPr algn="ctr"/>
             <a:r>
-              <a:rPr lang="en-US" dirty="0">
-                <a:solidFill>
-                  <a:schemeClr val="tx1"/>
-                </a:solidFill>
+              <a:rPr lang="en-US" b="1" dirty="0">
                 <a:latin typeface="Bell Centennial Address" panose="020B0500000000000000" pitchFamily="34" charset="0"/>
               </a:rPr>
               <a:t>What does the column “element” contain? It contains NAMES of MULTIPLE </a:t>
             </a:r>
             <a:r>
-              <a:rPr lang="en-US" u="sng" dirty="0">
-                <a:solidFill>
-                  <a:schemeClr val="tx1"/>
-                </a:solidFill>
+              <a:rPr lang="en-US" b="1" u="sng" dirty="0">
                 <a:latin typeface="Bell Centennial Address" panose="020B0500000000000000" pitchFamily="34" charset="0"/>
               </a:rPr>
               <a:t>analytes</a:t>
             </a:r>
             <a:r>
-              <a:rPr lang="en-US" dirty="0">
-                <a:solidFill>
-                  <a:schemeClr val="tx1"/>
-                </a:solidFill>
+              <a:rPr lang="en-US" b="1" dirty="0">
                 <a:latin typeface="Bell Centennial Address" panose="020B0500000000000000" pitchFamily="34" charset="0"/>
               </a:rPr>
-              <a:t>.</a:t>
+              <a:t> (i.e. “</a:t>
+            </a:r>
+            <a:r>
+              <a:rPr lang="en-US" b="1" dirty="0" err="1">
+                <a:latin typeface="Bell Centennial Address" panose="020B0500000000000000" pitchFamily="34" charset="0"/>
+              </a:rPr>
+              <a:t>names_of_multiple_analytes</a:t>
+            </a:r>
+            <a:r>
+              <a:rPr lang="en-US" b="1" dirty="0">
+                <a:latin typeface="Bell Centennial Address" panose="020B0500000000000000" pitchFamily="34" charset="0"/>
+              </a:rPr>
+              <a:t>”).</a:t>
             </a:r>
           </a:p>
         </p:txBody>
@@ -4008,17 +3673,20 @@
           <p:nvPr/>
         </p:nvSpPr>
         <p:spPr>
-          <a:xfrm rot="7099484">
-            <a:off x="8007044" y="3528704"/>
+          <a:xfrm rot="6417896">
+            <a:off x="8492607" y="2822856"/>
             <a:ext cx="1558383" cy="499587"/>
           </a:xfrm>
           <a:prstGeom prst="rightArrow">
             <a:avLst/>
           </a:prstGeom>
           <a:solidFill>
-            <a:schemeClr val="bg1"/>
+            <a:schemeClr val="accent5">
+              <a:lumMod val="40000"/>
+              <a:lumOff val="60000"/>
+            </a:schemeClr>
           </a:solidFill>
-          <a:ln>
+          <a:ln w="12700">
             <a:solidFill>
               <a:schemeClr val="tx1"/>
             </a:solidFill>
@@ -4045,7 +3713,7 @@
           <a:lstStyle/>
           <a:p>
             <a:pPr algn="ctr"/>
-            <a:endParaRPr lang="en-US"/>
+            <a:endParaRPr lang="en-US" b="1"/>
           </a:p>
         </p:txBody>
       </p:sp>
@@ -4063,16 +3731,19 @@
         </p:nvSpPr>
         <p:spPr>
           <a:xfrm>
-            <a:off x="8679354" y="1193174"/>
-            <a:ext cx="1544181" cy="2585323"/>
+            <a:off x="7881996" y="1855874"/>
+            <a:ext cx="3221027" cy="1200329"/>
           </a:xfrm>
           <a:prstGeom prst="rect">
             <a:avLst/>
           </a:prstGeom>
           <a:solidFill>
-            <a:schemeClr val="bg1"/>
+            <a:schemeClr val="accent5">
+              <a:lumMod val="40000"/>
+              <a:lumOff val="60000"/>
+            </a:schemeClr>
           </a:solidFill>
-          <a:ln>
+          <a:ln w="12700">
             <a:solidFill>
               <a:schemeClr val="tx1"/>
             </a:solidFill>
@@ -4086,49 +3757,57 @@
           <a:p>
             <a:pPr algn="ctr"/>
             <a:r>
-              <a:rPr lang="en-US" dirty="0">
-                <a:solidFill>
-                  <a:schemeClr val="tx1"/>
-                </a:solidFill>
+              <a:rPr lang="en-US" b="1" dirty="0">
                 <a:latin typeface="Bell Centennial Address" panose="020B0500000000000000" pitchFamily="34" charset="0"/>
               </a:rPr>
               <a:t>What does the column “</a:t>
             </a:r>
             <a:r>
-              <a:rPr lang="en-US" dirty="0" err="1">
-                <a:solidFill>
-                  <a:schemeClr val="tx1"/>
-                </a:solidFill>
+              <a:rPr lang="en-US" b="1" dirty="0" err="1">
                 <a:latin typeface="Bell Centennial Address" panose="020B0500000000000000" pitchFamily="34" charset="0"/>
               </a:rPr>
               <a:t>mg_per_L</a:t>
             </a:r>
             <a:r>
-              <a:rPr lang="en-US" dirty="0">
-                <a:solidFill>
-                  <a:schemeClr val="tx1"/>
-                </a:solidFill>
+              <a:rPr lang="en-US" b="1" dirty="0">
                 <a:latin typeface="Bell Centennial Address" panose="020B0500000000000000" pitchFamily="34" charset="0"/>
               </a:rPr>
-              <a:t>” contain? It contains NUMERIC VALUES for MULTIPLE </a:t>
-            </a:r>
-            <a:r>
-              <a:rPr lang="en-US" u="sng" dirty="0">
-                <a:solidFill>
-                  <a:schemeClr val="tx1"/>
-                </a:solidFill>
+              <a:t>” contain? It contains VALUES for MULTIPLE </a:t>
+            </a:r>
+            <a:r>
+              <a:rPr lang="en-US" b="1" u="sng" dirty="0">
                 <a:latin typeface="Bell Centennial Address" panose="020B0500000000000000" pitchFamily="34" charset="0"/>
               </a:rPr>
               <a:t>analytes</a:t>
             </a:r>
             <a:r>
-              <a:rPr lang="en-US" dirty="0">
-                <a:solidFill>
-                  <a:schemeClr val="tx1"/>
-                </a:solidFill>
+              <a:rPr lang="en-US" b="1" dirty="0">
                 <a:latin typeface="Bell Centennial Address" panose="020B0500000000000000" pitchFamily="34" charset="0"/>
               </a:rPr>
-              <a:t>.</a:t>
+              <a:t> (i.e. </a:t>
+            </a:r>
+            <a:br>
+              <a:rPr lang="en-US" b="1" dirty="0">
+                <a:latin typeface="Bell Centennial Address" panose="020B0500000000000000" pitchFamily="34" charset="0"/>
+              </a:rPr>
+            </a:br>
+            <a:r>
+              <a:rPr lang="en-US" b="1" dirty="0">
+                <a:latin typeface="Bell Centennial Address" panose="020B0500000000000000" pitchFamily="34" charset="0"/>
+              </a:rPr>
+              <a:t>“</a:t>
+            </a:r>
+            <a:r>
+              <a:rPr lang="en-US" b="1" dirty="0" err="1">
+                <a:latin typeface="Bell Centennial Address" panose="020B0500000000000000" pitchFamily="34" charset="0"/>
+              </a:rPr>
+              <a:t>values_for_multiple_analytes</a:t>
+            </a:r>
+            <a:r>
+              <a:rPr lang="en-US" b="1" dirty="0">
+                <a:latin typeface="Bell Centennial Address" panose="020B0500000000000000" pitchFamily="34" charset="0"/>
+              </a:rPr>
+              <a:t>”</a:t>
             </a:r>
           </a:p>
         </p:txBody>
@@ -4146,17 +3825,20 @@
           <p:nvPr/>
         </p:nvSpPr>
         <p:spPr>
-          <a:xfrm rot="7099484">
-            <a:off x="9629016" y="3528704"/>
-            <a:ext cx="1558383" cy="499587"/>
+          <a:xfrm rot="6167471">
+            <a:off x="10205740" y="2260893"/>
+            <a:ext cx="2770112" cy="499587"/>
           </a:xfrm>
           <a:prstGeom prst="rightArrow">
             <a:avLst/>
           </a:prstGeom>
           <a:solidFill>
-            <a:schemeClr val="bg1"/>
+            <a:schemeClr val="accent6">
+              <a:lumMod val="40000"/>
+              <a:lumOff val="60000"/>
+            </a:schemeClr>
           </a:solidFill>
-          <a:ln>
+          <a:ln w="12700">
             <a:solidFill>
               <a:schemeClr val="tx1"/>
             </a:solidFill>
@@ -4183,7 +3865,7 @@
           <a:lstStyle/>
           <a:p>
             <a:pPr algn="ctr"/>
-            <a:endParaRPr lang="en-US"/>
+            <a:endParaRPr lang="en-US" b="1"/>
           </a:p>
         </p:txBody>
       </p:sp>
@@ -4201,16 +3883,19 @@
         </p:nvSpPr>
         <p:spPr>
           <a:xfrm>
-            <a:off x="10288414" y="916175"/>
-            <a:ext cx="1544181" cy="2862322"/>
+            <a:off x="10348636" y="218953"/>
+            <a:ext cx="3221027" cy="1477328"/>
           </a:xfrm>
           <a:prstGeom prst="rect">
             <a:avLst/>
           </a:prstGeom>
           <a:solidFill>
-            <a:schemeClr val="bg1"/>
+            <a:schemeClr val="accent6">
+              <a:lumMod val="40000"/>
+              <a:lumOff val="60000"/>
+            </a:schemeClr>
           </a:solidFill>
-          <a:ln>
+          <a:ln w="12700">
             <a:solidFill>
               <a:schemeClr val="tx1"/>
             </a:solidFill>
@@ -4224,49 +3909,46 @@
           <a:p>
             <a:pPr algn="ctr"/>
             <a:r>
-              <a:rPr lang="en-US" dirty="0">
-                <a:solidFill>
-                  <a:schemeClr val="tx1"/>
-                </a:solidFill>
+              <a:rPr lang="en-US" b="1" dirty="0">
                 <a:latin typeface="Bell Centennial Address" panose="020B0500000000000000" pitchFamily="34" charset="0"/>
               </a:rPr>
               <a:t>What does the column “</a:t>
             </a:r>
             <a:r>
-              <a:rPr lang="en-US" dirty="0" err="1">
-                <a:solidFill>
-                  <a:schemeClr val="tx1"/>
-                </a:solidFill>
+              <a:rPr lang="en-US" b="1" dirty="0" err="1">
                 <a:latin typeface="Bell Centennial Address" panose="020B0500000000000000" pitchFamily="34" charset="0"/>
               </a:rPr>
               <a:t>element_type</a:t>
             </a:r>
             <a:r>
-              <a:rPr lang="en-US" dirty="0">
-                <a:solidFill>
-                  <a:schemeClr val="tx1"/>
-                </a:solidFill>
+              <a:rPr lang="en-US" b="1" dirty="0">
                 <a:latin typeface="Bell Centennial Address" panose="020B0500000000000000" pitchFamily="34" charset="0"/>
               </a:rPr>
               <a:t>” contain? It contains ADDITIONAL INFO (non-numeric values) about our </a:t>
             </a:r>
             <a:r>
-              <a:rPr lang="en-US" u="sng" dirty="0">
-                <a:solidFill>
-                  <a:schemeClr val="tx1"/>
-                </a:solidFill>
+              <a:rPr lang="en-US" b="1" u="sng" dirty="0">
                 <a:latin typeface="Bell Centennial Address" panose="020B0500000000000000" pitchFamily="34" charset="0"/>
               </a:rPr>
               <a:t>analytes</a:t>
             </a:r>
             <a:r>
-              <a:rPr lang="en-US" dirty="0">
-                <a:solidFill>
-                  <a:schemeClr val="tx1"/>
-                </a:solidFill>
+              <a:rPr lang="en-US" b="1" dirty="0">
                 <a:latin typeface="Bell Centennial Address" panose="020B0500000000000000" pitchFamily="34" charset="0"/>
               </a:rPr>
-              <a:t>.</a:t>
+              <a:t> (i.e. “</a:t>
+            </a:r>
+            <a:r>
+              <a:rPr lang="en-US" b="1" dirty="0" err="1">
+                <a:latin typeface="Bell Centennial Address" panose="020B0500000000000000" pitchFamily="34" charset="0"/>
+              </a:rPr>
+              <a:t>additional_analyte_info</a:t>
+            </a:r>
+            <a:r>
+              <a:rPr lang="en-US" b="1" dirty="0">
+                <a:latin typeface="Bell Centennial Address" panose="020B0500000000000000" pitchFamily="34" charset="0"/>
+              </a:rPr>
+              <a:t>”)</a:t>
             </a:r>
           </a:p>
         </p:txBody>
@@ -4287,7 +3969,7 @@
 <file path=ppt/theme/theme1.xml><?xml version="1.0" encoding="utf-8"?>
 <a:theme xmlns:a="http://schemas.openxmlformats.org/drawingml/2006/main" name="Office Theme">
   <a:themeElements>
-    <a:clrScheme name="Office">
+    <a:clrScheme name="Office Theme">
       <a:dk1>
         <a:sysClr val="windowText" lastClr="000000"/>
       </a:dk1>
@@ -4325,7 +4007,7 @@
         <a:srgbClr val="954F72"/>
       </a:folHlink>
     </a:clrScheme>
-    <a:fontScheme name="Office">
+    <a:fontScheme name="Office Theme">
       <a:majorFont>
         <a:latin typeface="Calibri Light" panose="020F0302020204030204"/>
         <a:ea typeface=""/>
@@ -4360,23 +4042,6 @@
         <a:font script="Viet" typeface="Times New Roman"/>
         <a:font script="Uigh" typeface="Microsoft Uighur"/>
         <a:font script="Geor" typeface="Sylfaen"/>
-        <a:font script="Armn" typeface="Arial"/>
-        <a:font script="Bugi" typeface="Leelawadee UI"/>
-        <a:font script="Bopo" typeface="Microsoft JhengHei"/>
-        <a:font script="Java" typeface="Javanese Text"/>
-        <a:font script="Lisu" typeface="Segoe UI"/>
-        <a:font script="Mymr" typeface="Myanmar Text"/>
-        <a:font script="Nkoo" typeface="Ebrima"/>
-        <a:font script="Olck" typeface="Nirmala UI"/>
-        <a:font script="Osma" typeface="Ebrima"/>
-        <a:font script="Phag" typeface="Phagspa"/>
-        <a:font script="Syrn" typeface="Estrangelo Edessa"/>
-        <a:font script="Syrj" typeface="Estrangelo Edessa"/>
-        <a:font script="Syre" typeface="Estrangelo Edessa"/>
-        <a:font script="Sora" typeface="Nirmala UI"/>
-        <a:font script="Tale" typeface="Microsoft Tai Le"/>
-        <a:font script="Talu" typeface="Microsoft New Tai Lue"/>
-        <a:font script="Tfng" typeface="Ebrima"/>
       </a:majorFont>
       <a:minorFont>
         <a:latin typeface="Calibri" panose="020F0502020204030204"/>
@@ -4412,26 +4077,9 @@
         <a:font script="Viet" typeface="Arial"/>
         <a:font script="Uigh" typeface="Microsoft Uighur"/>
         <a:font script="Geor" typeface="Sylfaen"/>
-        <a:font script="Armn" typeface="Arial"/>
-        <a:font script="Bugi" typeface="Leelawadee UI"/>
-        <a:font script="Bopo" typeface="Microsoft JhengHei"/>
-        <a:font script="Java" typeface="Javanese Text"/>
-        <a:font script="Lisu" typeface="Segoe UI"/>
-        <a:font script="Mymr" typeface="Myanmar Text"/>
-        <a:font script="Nkoo" typeface="Ebrima"/>
-        <a:font script="Olck" typeface="Nirmala UI"/>
-        <a:font script="Osma" typeface="Ebrima"/>
-        <a:font script="Phag" typeface="Phagspa"/>
-        <a:font script="Syrn" typeface="Estrangelo Edessa"/>
-        <a:font script="Syrj" typeface="Estrangelo Edessa"/>
-        <a:font script="Syre" typeface="Estrangelo Edessa"/>
-        <a:font script="Sora" typeface="Nirmala UI"/>
-        <a:font script="Tale" typeface="Microsoft Tai Le"/>
-        <a:font script="Talu" typeface="Microsoft New Tai Lue"/>
-        <a:font script="Tfng" typeface="Ebrima"/>
       </a:minorFont>
     </a:fontScheme>
-    <a:fmtScheme name="Office">
+    <a:fmtScheme name="Office Theme">
       <a:fillStyleLst>
         <a:solidFill>
           <a:schemeClr val="phClr"/>
